--- a/media/Resumen.pptx
+++ b/media/Resumen.pptx
@@ -10,6 +10,7 @@
     <p:sldId id="258" r:id="rId4"/>
     <p:sldId id="257" r:id="rId5"/>
     <p:sldId id="260" r:id="rId6"/>
+    <p:sldId id="261" r:id="rId7"/>
   </p:sldIdLst>
   <p:sldSz cx="12192000" cy="6858000"/>
   <p:notesSz cx="6858000" cy="9144000"/>
@@ -265,7 +266,7 @@
           <a:p>
             <a:fld id="{B24185D3-528A-406D-87C2-1A608670BDF1}" type="datetimeFigureOut">
               <a:rPr lang="es-CL" smtClean="0"/>
-              <a:t>27-12-2020</a:t>
+              <a:t>29-12-2020</a:t>
             </a:fld>
             <a:endParaRPr lang="es-CL"/>
           </a:p>
@@ -465,7 +466,7 @@
           <a:p>
             <a:fld id="{B24185D3-528A-406D-87C2-1A608670BDF1}" type="datetimeFigureOut">
               <a:rPr lang="es-CL" smtClean="0"/>
-              <a:t>27-12-2020</a:t>
+              <a:t>29-12-2020</a:t>
             </a:fld>
             <a:endParaRPr lang="es-CL"/>
           </a:p>
@@ -675,7 +676,7 @@
           <a:p>
             <a:fld id="{B24185D3-528A-406D-87C2-1A608670BDF1}" type="datetimeFigureOut">
               <a:rPr lang="es-CL" smtClean="0"/>
-              <a:t>27-12-2020</a:t>
+              <a:t>29-12-2020</a:t>
             </a:fld>
             <a:endParaRPr lang="es-CL"/>
           </a:p>
@@ -875,7 +876,7 @@
           <a:p>
             <a:fld id="{B24185D3-528A-406D-87C2-1A608670BDF1}" type="datetimeFigureOut">
               <a:rPr lang="es-CL" smtClean="0"/>
-              <a:t>27-12-2020</a:t>
+              <a:t>29-12-2020</a:t>
             </a:fld>
             <a:endParaRPr lang="es-CL"/>
           </a:p>
@@ -1151,7 +1152,7 @@
           <a:p>
             <a:fld id="{B24185D3-528A-406D-87C2-1A608670BDF1}" type="datetimeFigureOut">
               <a:rPr lang="es-CL" smtClean="0"/>
-              <a:t>27-12-2020</a:t>
+              <a:t>29-12-2020</a:t>
             </a:fld>
             <a:endParaRPr lang="es-CL"/>
           </a:p>
@@ -1419,7 +1420,7 @@
           <a:p>
             <a:fld id="{B24185D3-528A-406D-87C2-1A608670BDF1}" type="datetimeFigureOut">
               <a:rPr lang="es-CL" smtClean="0"/>
-              <a:t>27-12-2020</a:t>
+              <a:t>29-12-2020</a:t>
             </a:fld>
             <a:endParaRPr lang="es-CL"/>
           </a:p>
@@ -1834,7 +1835,7 @@
           <a:p>
             <a:fld id="{B24185D3-528A-406D-87C2-1A608670BDF1}" type="datetimeFigureOut">
               <a:rPr lang="es-CL" smtClean="0"/>
-              <a:t>27-12-2020</a:t>
+              <a:t>29-12-2020</a:t>
             </a:fld>
             <a:endParaRPr lang="es-CL"/>
           </a:p>
@@ -1976,7 +1977,7 @@
           <a:p>
             <a:fld id="{B24185D3-528A-406D-87C2-1A608670BDF1}" type="datetimeFigureOut">
               <a:rPr lang="es-CL" smtClean="0"/>
-              <a:t>27-12-2020</a:t>
+              <a:t>29-12-2020</a:t>
             </a:fld>
             <a:endParaRPr lang="es-CL"/>
           </a:p>
@@ -2089,7 +2090,7 @@
           <a:p>
             <a:fld id="{B24185D3-528A-406D-87C2-1A608670BDF1}" type="datetimeFigureOut">
               <a:rPr lang="es-CL" smtClean="0"/>
-              <a:t>27-12-2020</a:t>
+              <a:t>29-12-2020</a:t>
             </a:fld>
             <a:endParaRPr lang="es-CL"/>
           </a:p>
@@ -2402,7 +2403,7 @@
           <a:p>
             <a:fld id="{B24185D3-528A-406D-87C2-1A608670BDF1}" type="datetimeFigureOut">
               <a:rPr lang="es-CL" smtClean="0"/>
-              <a:t>27-12-2020</a:t>
+              <a:t>29-12-2020</a:t>
             </a:fld>
             <a:endParaRPr lang="es-CL"/>
           </a:p>
@@ -2691,7 +2692,7 @@
           <a:p>
             <a:fld id="{B24185D3-528A-406D-87C2-1A608670BDF1}" type="datetimeFigureOut">
               <a:rPr lang="es-CL" smtClean="0"/>
-              <a:t>27-12-2020</a:t>
+              <a:t>29-12-2020</a:t>
             </a:fld>
             <a:endParaRPr lang="es-CL"/>
           </a:p>
@@ -2939,7 +2940,7 @@
           <a:p>
             <a:fld id="{B24185D3-528A-406D-87C2-1A608670BDF1}" type="datetimeFigureOut">
               <a:rPr lang="es-CL" smtClean="0"/>
-              <a:t>27-12-2020</a:t>
+              <a:t>29-12-2020</a:t>
             </a:fld>
             <a:endParaRPr lang="es-CL"/>
           </a:p>
@@ -7291,6 +7292,551 @@
 </p:sld>
 </file>
 
+<file path=ppt/slides/slide6.xml><?xml version="1.0" encoding="utf-8"?>
+<p:sld xmlns:a="http://schemas.openxmlformats.org/drawingml/2006/main" xmlns:r="http://schemas.openxmlformats.org/officeDocument/2006/relationships" xmlns:p="http://schemas.openxmlformats.org/presentationml/2006/main">
+  <p:cSld>
+    <p:bg>
+      <p:bgPr>
+        <a:solidFill>
+          <a:srgbClr val="556270"/>
+        </a:solidFill>
+        <a:effectLst/>
+      </p:bgPr>
+    </p:bg>
+    <p:spTree>
+      <p:nvGrpSpPr>
+        <p:cNvPr id="1" name=""/>
+        <p:cNvGrpSpPr/>
+        <p:nvPr/>
+      </p:nvGrpSpPr>
+      <p:grpSpPr>
+        <a:xfrm>
+          <a:off x="0" y="0"/>
+          <a:ext cx="0" cy="0"/>
+          <a:chOff x="0" y="0"/>
+          <a:chExt cx="0" cy="0"/>
+        </a:xfrm>
+      </p:grpSpPr>
+      <p:sp>
+        <p:nvSpPr>
+          <p:cNvPr id="10" name="Rectángulo: esquinas redondeadas 9">
+            <a:extLst>
+              <a:ext uri="{FF2B5EF4-FFF2-40B4-BE49-F238E27FC236}">
+                <a16:creationId xmlns:a16="http://schemas.microsoft.com/office/drawing/2014/main" id="{70D47368-1DF1-461A-816F-7695EAFC0D17}"/>
+              </a:ext>
+            </a:extLst>
+          </p:cNvPr>
+          <p:cNvSpPr/>
+          <p:nvPr/>
+        </p:nvSpPr>
+        <p:spPr>
+          <a:xfrm>
+            <a:off x="1770077" y="1938675"/>
+            <a:ext cx="3600000" cy="628355"/>
+          </a:xfrm>
+          <a:prstGeom prst="roundRect">
+            <a:avLst/>
+          </a:prstGeom>
+          <a:solidFill>
+            <a:schemeClr val="accent6">
+              <a:lumMod val="60000"/>
+              <a:lumOff val="40000"/>
+            </a:schemeClr>
+          </a:solidFill>
+          <a:ln>
+            <a:noFill/>
+          </a:ln>
+        </p:spPr>
+        <p:style>
+          <a:lnRef idx="2">
+            <a:schemeClr val="accent1">
+              <a:shade val="50000"/>
+            </a:schemeClr>
+          </a:lnRef>
+          <a:fillRef idx="1">
+            <a:schemeClr val="accent1"/>
+          </a:fillRef>
+          <a:effectRef idx="0">
+            <a:schemeClr val="accent1"/>
+          </a:effectRef>
+          <a:fontRef idx="minor">
+            <a:schemeClr val="lt1"/>
+          </a:fontRef>
+        </p:style>
+        <p:txBody>
+          <a:bodyPr rtlCol="0" anchor="ctr"/>
+          <a:lstStyle/>
+          <a:p>
+            <a:pPr algn="ctr"/>
+            <a:r>
+              <a:rPr lang="es-CL" sz="2400" dirty="0">
+                <a:solidFill>
+                  <a:srgbClr val="C7F464"/>
+                </a:solidFill>
+              </a:rPr>
+              <a:t>Reclutamiento interno</a:t>
+            </a:r>
+          </a:p>
+        </p:txBody>
+      </p:sp>
+      <p:sp>
+        <p:nvSpPr>
+          <p:cNvPr id="11" name="Rectángulo: esquinas redondeadas 10">
+            <a:extLst>
+              <a:ext uri="{FF2B5EF4-FFF2-40B4-BE49-F238E27FC236}">
+                <a16:creationId xmlns:a16="http://schemas.microsoft.com/office/drawing/2014/main" id="{BA3549DB-2EF8-4A65-86F5-3D94B41438C0}"/>
+              </a:ext>
+            </a:extLst>
+          </p:cNvPr>
+          <p:cNvSpPr/>
+          <p:nvPr/>
+        </p:nvSpPr>
+        <p:spPr>
+          <a:xfrm>
+            <a:off x="1770077" y="2733527"/>
+            <a:ext cx="3600000" cy="2647192"/>
+          </a:xfrm>
+          <a:prstGeom prst="roundRect">
+            <a:avLst/>
+          </a:prstGeom>
+          <a:solidFill>
+            <a:srgbClr val="4ECDC4"/>
+          </a:solidFill>
+          <a:ln>
+            <a:noFill/>
+          </a:ln>
+        </p:spPr>
+        <p:style>
+          <a:lnRef idx="2">
+            <a:schemeClr val="accent1">
+              <a:shade val="50000"/>
+            </a:schemeClr>
+          </a:lnRef>
+          <a:fillRef idx="1">
+            <a:schemeClr val="accent1"/>
+          </a:fillRef>
+          <a:effectRef idx="0">
+            <a:schemeClr val="accent1"/>
+          </a:effectRef>
+          <a:fontRef idx="minor">
+            <a:schemeClr val="lt1"/>
+          </a:fontRef>
+        </p:style>
+        <p:txBody>
+          <a:bodyPr rtlCol="0" anchor="ctr"/>
+          <a:lstStyle/>
+          <a:p>
+            <a:pPr marL="171450" lvl="0" indent="-171450">
+              <a:buFont typeface="Arial" panose="020B0604020202020204" pitchFamily="34" charset="0"/>
+              <a:buChar char="•"/>
+            </a:pPr>
+            <a:r>
+              <a:rPr lang="es-MX" dirty="0">
+                <a:solidFill>
+                  <a:srgbClr val="C7F464"/>
+                </a:solidFill>
+                <a:latin typeface="Calibri" panose="020F0502020204030204"/>
+              </a:rPr>
+              <a:t>Publicaciones internas de trabajo</a:t>
+            </a:r>
+          </a:p>
+          <a:p>
+            <a:pPr marL="171450" lvl="0" indent="-171450">
+              <a:buFont typeface="Arial" panose="020B0604020202020204" pitchFamily="34" charset="0"/>
+              <a:buChar char="•"/>
+            </a:pPr>
+            <a:r>
+              <a:rPr lang="es-MX" dirty="0">
+                <a:solidFill>
+                  <a:srgbClr val="C7F464"/>
+                </a:solidFill>
+                <a:latin typeface="Calibri" panose="020F0502020204030204"/>
+              </a:rPr>
+              <a:t>Evaluaciones de desempeño</a:t>
+            </a:r>
+          </a:p>
+          <a:p>
+            <a:pPr marL="171450" lvl="0" indent="-171450">
+              <a:buFont typeface="Arial" panose="020B0604020202020204" pitchFamily="34" charset="0"/>
+              <a:buChar char="•"/>
+            </a:pPr>
+            <a:r>
+              <a:rPr lang="es-MX" dirty="0">
+                <a:solidFill>
+                  <a:srgbClr val="C7F464"/>
+                </a:solidFill>
+                <a:latin typeface="Calibri" panose="020F0502020204030204"/>
+              </a:rPr>
+              <a:t>Inventarios de habilidades</a:t>
+            </a:r>
+          </a:p>
+          <a:p>
+            <a:pPr marL="171450" lvl="0" indent="-171450">
+              <a:buFont typeface="Arial" panose="020B0604020202020204" pitchFamily="34" charset="0"/>
+              <a:buChar char="•"/>
+            </a:pPr>
+            <a:r>
+              <a:rPr lang="es-MX" dirty="0">
+                <a:solidFill>
+                  <a:srgbClr val="C7F464"/>
+                </a:solidFill>
+                <a:latin typeface="Calibri" panose="020F0502020204030204"/>
+              </a:rPr>
+              <a:t>Mapas de reemplazo</a:t>
+            </a:r>
+          </a:p>
+          <a:p>
+            <a:pPr marL="171450" lvl="0" indent="-171450">
+              <a:buFont typeface="Arial" panose="020B0604020202020204" pitchFamily="34" charset="0"/>
+              <a:buChar char="•"/>
+            </a:pPr>
+            <a:r>
+              <a:rPr lang="es-MX" dirty="0">
+                <a:solidFill>
+                  <a:srgbClr val="C7F464"/>
+                </a:solidFill>
+                <a:latin typeface="Calibri" panose="020F0502020204030204"/>
+              </a:rPr>
+              <a:t>Centro de evaluación</a:t>
+            </a:r>
+            <a:endParaRPr lang="es-CL" kern="1200" dirty="0">
+              <a:solidFill>
+                <a:srgbClr val="C7F464"/>
+              </a:solidFill>
+              <a:latin typeface="Calibri" panose="020F0502020204030204"/>
+              <a:ea typeface="+mn-ea"/>
+              <a:cs typeface="+mn-cs"/>
+            </a:endParaRPr>
+          </a:p>
+        </p:txBody>
+      </p:sp>
+      <p:sp>
+        <p:nvSpPr>
+          <p:cNvPr id="16" name="Rectángulo: esquinas redondeadas 15">
+            <a:extLst>
+              <a:ext uri="{FF2B5EF4-FFF2-40B4-BE49-F238E27FC236}">
+                <a16:creationId xmlns:a16="http://schemas.microsoft.com/office/drawing/2014/main" id="{4CB84DEE-4E18-45F4-8C58-66F90BD94767}"/>
+              </a:ext>
+            </a:extLst>
+          </p:cNvPr>
+          <p:cNvSpPr/>
+          <p:nvPr/>
+        </p:nvSpPr>
+        <p:spPr>
+          <a:xfrm>
+            <a:off x="5567494" y="2733527"/>
+            <a:ext cx="3600000" cy="2647192"/>
+          </a:xfrm>
+          <a:prstGeom prst="roundRect">
+            <a:avLst/>
+          </a:prstGeom>
+          <a:solidFill>
+            <a:srgbClr val="4ECDC4"/>
+          </a:solidFill>
+          <a:ln>
+            <a:noFill/>
+          </a:ln>
+        </p:spPr>
+        <p:style>
+          <a:lnRef idx="2">
+            <a:schemeClr val="accent1">
+              <a:shade val="50000"/>
+            </a:schemeClr>
+          </a:lnRef>
+          <a:fillRef idx="1">
+            <a:schemeClr val="accent1"/>
+          </a:fillRef>
+          <a:effectRef idx="0">
+            <a:schemeClr val="accent1"/>
+          </a:effectRef>
+          <a:fontRef idx="minor">
+            <a:schemeClr val="lt1"/>
+          </a:fontRef>
+        </p:style>
+        <p:txBody>
+          <a:bodyPr rtlCol="0" anchor="ctr"/>
+          <a:lstStyle/>
+          <a:p>
+            <a:pPr marL="228600" lvl="0" indent="-228600" defTabSz="914400" rtl="0" eaLnBrk="1" latinLnBrk="0" hangingPunct="1">
+              <a:lnSpc>
+                <a:spcPct val="90000"/>
+              </a:lnSpc>
+              <a:spcBef>
+                <a:spcPct val="0"/>
+              </a:spcBef>
+              <a:spcAft>
+                <a:spcPct val="15000"/>
+              </a:spcAft>
+              <a:buChar char="•"/>
+            </a:pPr>
+            <a:r>
+              <a:rPr lang="es-MX" dirty="0">
+                <a:solidFill>
+                  <a:srgbClr val="C7F464"/>
+                </a:solidFill>
+              </a:rPr>
+              <a:t>Anuncios</a:t>
+            </a:r>
+          </a:p>
+          <a:p>
+            <a:pPr marL="228600" lvl="0" indent="-228600" defTabSz="914400" rtl="0" eaLnBrk="1" latinLnBrk="0" hangingPunct="1">
+              <a:lnSpc>
+                <a:spcPct val="90000"/>
+              </a:lnSpc>
+              <a:spcBef>
+                <a:spcPct val="0"/>
+              </a:spcBef>
+              <a:spcAft>
+                <a:spcPct val="15000"/>
+              </a:spcAft>
+              <a:buChar char="•"/>
+            </a:pPr>
+            <a:r>
+              <a:rPr lang="es-MX" kern="1200" dirty="0">
+                <a:solidFill>
+                  <a:srgbClr val="C7F464"/>
+                </a:solidFill>
+                <a:latin typeface="+mn-lt"/>
+                <a:ea typeface="+mn-ea"/>
+                <a:cs typeface="+mn-cs"/>
+              </a:rPr>
+              <a:t>Internet</a:t>
+            </a:r>
+          </a:p>
+          <a:p>
+            <a:pPr marL="228600" lvl="0" indent="-228600" defTabSz="914400" rtl="0" eaLnBrk="1" latinLnBrk="0" hangingPunct="1">
+              <a:lnSpc>
+                <a:spcPct val="90000"/>
+              </a:lnSpc>
+              <a:spcBef>
+                <a:spcPct val="0"/>
+              </a:spcBef>
+              <a:spcAft>
+                <a:spcPct val="15000"/>
+              </a:spcAft>
+              <a:buChar char="•"/>
+            </a:pPr>
+            <a:r>
+              <a:rPr lang="es-MX" dirty="0">
+                <a:solidFill>
+                  <a:srgbClr val="C7F464"/>
+                </a:solidFill>
+              </a:rPr>
+              <a:t>Redes sociales</a:t>
+            </a:r>
+          </a:p>
+          <a:p>
+            <a:pPr marL="228600" lvl="0" indent="-228600" defTabSz="914400" rtl="0" eaLnBrk="1" latinLnBrk="0" hangingPunct="1">
+              <a:lnSpc>
+                <a:spcPct val="90000"/>
+              </a:lnSpc>
+              <a:spcBef>
+                <a:spcPct val="0"/>
+              </a:spcBef>
+              <a:spcAft>
+                <a:spcPct val="15000"/>
+              </a:spcAft>
+              <a:buChar char="•"/>
+            </a:pPr>
+            <a:r>
+              <a:rPr lang="es-MX" kern="1200" dirty="0">
+                <a:solidFill>
+                  <a:srgbClr val="C7F464"/>
+                </a:solidFill>
+                <a:latin typeface="+mn-lt"/>
+                <a:ea typeface="+mn-ea"/>
+                <a:cs typeface="+mn-cs"/>
+              </a:rPr>
+              <a:t>Móviles</a:t>
+            </a:r>
+          </a:p>
+          <a:p>
+            <a:pPr marL="228600" lvl="0" indent="-228600" defTabSz="914400" rtl="0" eaLnBrk="1" latinLnBrk="0" hangingPunct="1">
+              <a:lnSpc>
+                <a:spcPct val="90000"/>
+              </a:lnSpc>
+              <a:spcBef>
+                <a:spcPct val="0"/>
+              </a:spcBef>
+              <a:spcAft>
+                <a:spcPct val="15000"/>
+              </a:spcAft>
+              <a:buChar char="•"/>
+            </a:pPr>
+            <a:r>
+              <a:rPr lang="es-MX" dirty="0">
+                <a:solidFill>
+                  <a:srgbClr val="C7F464"/>
+                </a:solidFill>
+              </a:rPr>
+              <a:t>Contratación de agencias de empleo</a:t>
+            </a:r>
+          </a:p>
+          <a:p>
+            <a:pPr marL="228600" lvl="0" indent="-228600" defTabSz="914400" rtl="0" eaLnBrk="1" latinLnBrk="0" hangingPunct="1">
+              <a:lnSpc>
+                <a:spcPct val="90000"/>
+              </a:lnSpc>
+              <a:spcBef>
+                <a:spcPct val="0"/>
+              </a:spcBef>
+              <a:spcAft>
+                <a:spcPct val="15000"/>
+              </a:spcAft>
+              <a:buChar char="•"/>
+            </a:pPr>
+            <a:r>
+              <a:rPr lang="es-MX" kern="1200" dirty="0">
+                <a:solidFill>
+                  <a:srgbClr val="C7F464"/>
+                </a:solidFill>
+                <a:latin typeface="+mn-lt"/>
+                <a:ea typeface="+mn-ea"/>
+                <a:cs typeface="+mn-cs"/>
+              </a:rPr>
+              <a:t>Instituciones </a:t>
+            </a:r>
+            <a:r>
+              <a:rPr lang="es-MX" dirty="0">
+                <a:solidFill>
+                  <a:srgbClr val="C7F464"/>
+                </a:solidFill>
+              </a:rPr>
+              <a:t>educativas</a:t>
+            </a:r>
+          </a:p>
+          <a:p>
+            <a:pPr marL="228600" lvl="0" indent="-228600" defTabSz="914400" rtl="0" eaLnBrk="1" latinLnBrk="0" hangingPunct="1">
+              <a:lnSpc>
+                <a:spcPct val="90000"/>
+              </a:lnSpc>
+              <a:spcBef>
+                <a:spcPct val="0"/>
+              </a:spcBef>
+              <a:spcAft>
+                <a:spcPct val="15000"/>
+              </a:spcAft>
+              <a:buChar char="•"/>
+            </a:pPr>
+            <a:r>
+              <a:rPr lang="es-MX" kern="1200" dirty="0">
+                <a:solidFill>
+                  <a:srgbClr val="C7F464"/>
+                </a:solidFill>
+                <a:latin typeface="+mn-lt"/>
+                <a:ea typeface="+mn-ea"/>
+                <a:cs typeface="+mn-cs"/>
+              </a:rPr>
+              <a:t>Asociaciones profesionales</a:t>
+            </a:r>
+          </a:p>
+          <a:p>
+            <a:pPr marL="228600" lvl="0" indent="-228600" defTabSz="914400" rtl="0" eaLnBrk="1" latinLnBrk="0" hangingPunct="1">
+              <a:lnSpc>
+                <a:spcPct val="90000"/>
+              </a:lnSpc>
+              <a:spcBef>
+                <a:spcPct val="0"/>
+              </a:spcBef>
+              <a:spcAft>
+                <a:spcPct val="15000"/>
+              </a:spcAft>
+              <a:buChar char="•"/>
+            </a:pPr>
+            <a:r>
+              <a:rPr lang="es-MX" dirty="0">
+                <a:solidFill>
+                  <a:srgbClr val="C7F464"/>
+                </a:solidFill>
+              </a:rPr>
+              <a:t>Re-reclutamiento</a:t>
+            </a:r>
+            <a:endParaRPr lang="es-CL" kern="1200" dirty="0">
+              <a:solidFill>
+                <a:srgbClr val="C7F464"/>
+              </a:solidFill>
+              <a:latin typeface="+mn-lt"/>
+              <a:ea typeface="+mn-ea"/>
+              <a:cs typeface="+mn-cs"/>
+            </a:endParaRPr>
+          </a:p>
+        </p:txBody>
+      </p:sp>
+      <p:sp>
+        <p:nvSpPr>
+          <p:cNvPr id="17" name="Rectángulo: esquinas redondeadas 16">
+            <a:extLst>
+              <a:ext uri="{FF2B5EF4-FFF2-40B4-BE49-F238E27FC236}">
+                <a16:creationId xmlns:a16="http://schemas.microsoft.com/office/drawing/2014/main" id="{52A9256D-F8E1-488A-AB21-F0387ED22384}"/>
+              </a:ext>
+            </a:extLst>
+          </p:cNvPr>
+          <p:cNvSpPr/>
+          <p:nvPr/>
+        </p:nvSpPr>
+        <p:spPr>
+          <a:xfrm>
+            <a:off x="5567492" y="1938675"/>
+            <a:ext cx="3600000" cy="628355"/>
+          </a:xfrm>
+          <a:prstGeom prst="roundRect">
+            <a:avLst/>
+          </a:prstGeom>
+          <a:solidFill>
+            <a:schemeClr val="accent6">
+              <a:lumMod val="60000"/>
+              <a:lumOff val="40000"/>
+            </a:schemeClr>
+          </a:solidFill>
+          <a:ln>
+            <a:noFill/>
+          </a:ln>
+        </p:spPr>
+        <p:style>
+          <a:lnRef idx="2">
+            <a:schemeClr val="accent1">
+              <a:shade val="50000"/>
+            </a:schemeClr>
+          </a:lnRef>
+          <a:fillRef idx="1">
+            <a:schemeClr val="accent1"/>
+          </a:fillRef>
+          <a:effectRef idx="0">
+            <a:schemeClr val="accent1"/>
+          </a:effectRef>
+          <a:fontRef idx="minor">
+            <a:schemeClr val="lt1"/>
+          </a:fontRef>
+        </p:style>
+        <p:txBody>
+          <a:bodyPr rtlCol="0" anchor="ctr"/>
+          <a:lstStyle/>
+          <a:p>
+            <a:pPr algn="ctr"/>
+            <a:r>
+              <a:rPr lang="es-CL" sz="2400" dirty="0">
+                <a:solidFill>
+                  <a:srgbClr val="C7F464"/>
+                </a:solidFill>
+              </a:rPr>
+              <a:t>Reclutamiento externo</a:t>
+            </a:r>
+          </a:p>
+        </p:txBody>
+      </p:sp>
+    </p:spTree>
+    <p:extLst>
+      <p:ext uri="{BB962C8B-B14F-4D97-AF65-F5344CB8AC3E}">
+        <p14:creationId xmlns:p14="http://schemas.microsoft.com/office/powerpoint/2010/main" val="4264948748"/>
+      </p:ext>
+    </p:extLst>
+  </p:cSld>
+  <p:clrMapOvr>
+    <a:masterClrMapping/>
+  </p:clrMapOvr>
+</p:sld>
+</file>
+
 <file path=ppt/theme/theme1.xml><?xml version="1.0" encoding="utf-8"?>
 <a:theme xmlns:a="http://schemas.openxmlformats.org/drawingml/2006/main" name="Tema de Office">
   <a:themeElements>

--- a/media/Resumen.pptx
+++ b/media/Resumen.pptx
@@ -11,6 +11,7 @@
     <p:sldId id="257" r:id="rId5"/>
     <p:sldId id="260" r:id="rId6"/>
     <p:sldId id="261" r:id="rId7"/>
+    <p:sldId id="262" r:id="rId8"/>
   </p:sldIdLst>
   <p:sldSz cx="12192000" cy="6858000"/>
   <p:notesSz cx="6858000" cy="9144000"/>
@@ -266,7 +267,7 @@
           <a:p>
             <a:fld id="{B24185D3-528A-406D-87C2-1A608670BDF1}" type="datetimeFigureOut">
               <a:rPr lang="es-CL" smtClean="0"/>
-              <a:t>29-12-2020</a:t>
+              <a:t>30-12-2020</a:t>
             </a:fld>
             <a:endParaRPr lang="es-CL"/>
           </a:p>
@@ -466,7 +467,7 @@
           <a:p>
             <a:fld id="{B24185D3-528A-406D-87C2-1A608670BDF1}" type="datetimeFigureOut">
               <a:rPr lang="es-CL" smtClean="0"/>
-              <a:t>29-12-2020</a:t>
+              <a:t>30-12-2020</a:t>
             </a:fld>
             <a:endParaRPr lang="es-CL"/>
           </a:p>
@@ -676,7 +677,7 @@
           <a:p>
             <a:fld id="{B24185D3-528A-406D-87C2-1A608670BDF1}" type="datetimeFigureOut">
               <a:rPr lang="es-CL" smtClean="0"/>
-              <a:t>29-12-2020</a:t>
+              <a:t>30-12-2020</a:t>
             </a:fld>
             <a:endParaRPr lang="es-CL"/>
           </a:p>
@@ -876,7 +877,7 @@
           <a:p>
             <a:fld id="{B24185D3-528A-406D-87C2-1A608670BDF1}" type="datetimeFigureOut">
               <a:rPr lang="es-CL" smtClean="0"/>
-              <a:t>29-12-2020</a:t>
+              <a:t>30-12-2020</a:t>
             </a:fld>
             <a:endParaRPr lang="es-CL"/>
           </a:p>
@@ -1152,7 +1153,7 @@
           <a:p>
             <a:fld id="{B24185D3-528A-406D-87C2-1A608670BDF1}" type="datetimeFigureOut">
               <a:rPr lang="es-CL" smtClean="0"/>
-              <a:t>29-12-2020</a:t>
+              <a:t>30-12-2020</a:t>
             </a:fld>
             <a:endParaRPr lang="es-CL"/>
           </a:p>
@@ -1420,7 +1421,7 @@
           <a:p>
             <a:fld id="{B24185D3-528A-406D-87C2-1A608670BDF1}" type="datetimeFigureOut">
               <a:rPr lang="es-CL" smtClean="0"/>
-              <a:t>29-12-2020</a:t>
+              <a:t>30-12-2020</a:t>
             </a:fld>
             <a:endParaRPr lang="es-CL"/>
           </a:p>
@@ -1835,7 +1836,7 @@
           <a:p>
             <a:fld id="{B24185D3-528A-406D-87C2-1A608670BDF1}" type="datetimeFigureOut">
               <a:rPr lang="es-CL" smtClean="0"/>
-              <a:t>29-12-2020</a:t>
+              <a:t>30-12-2020</a:t>
             </a:fld>
             <a:endParaRPr lang="es-CL"/>
           </a:p>
@@ -1977,7 +1978,7 @@
           <a:p>
             <a:fld id="{B24185D3-528A-406D-87C2-1A608670BDF1}" type="datetimeFigureOut">
               <a:rPr lang="es-CL" smtClean="0"/>
-              <a:t>29-12-2020</a:t>
+              <a:t>30-12-2020</a:t>
             </a:fld>
             <a:endParaRPr lang="es-CL"/>
           </a:p>
@@ -2090,7 +2091,7 @@
           <a:p>
             <a:fld id="{B24185D3-528A-406D-87C2-1A608670BDF1}" type="datetimeFigureOut">
               <a:rPr lang="es-CL" smtClean="0"/>
-              <a:t>29-12-2020</a:t>
+              <a:t>30-12-2020</a:t>
             </a:fld>
             <a:endParaRPr lang="es-CL"/>
           </a:p>
@@ -2403,7 +2404,7 @@
           <a:p>
             <a:fld id="{B24185D3-528A-406D-87C2-1A608670BDF1}" type="datetimeFigureOut">
               <a:rPr lang="es-CL" smtClean="0"/>
-              <a:t>29-12-2020</a:t>
+              <a:t>30-12-2020</a:t>
             </a:fld>
             <a:endParaRPr lang="es-CL"/>
           </a:p>
@@ -2692,7 +2693,7 @@
           <a:p>
             <a:fld id="{B24185D3-528A-406D-87C2-1A608670BDF1}" type="datetimeFigureOut">
               <a:rPr lang="es-CL" smtClean="0"/>
-              <a:t>29-12-2020</a:t>
+              <a:t>30-12-2020</a:t>
             </a:fld>
             <a:endParaRPr lang="es-CL"/>
           </a:p>
@@ -2940,7 +2941,7 @@
           <a:p>
             <a:fld id="{B24185D3-528A-406D-87C2-1A608670BDF1}" type="datetimeFigureOut">
               <a:rPr lang="es-CL" smtClean="0"/>
-              <a:t>29-12-2020</a:t>
+              <a:t>30-12-2020</a:t>
             </a:fld>
             <a:endParaRPr lang="es-CL"/>
           </a:p>
@@ -7837,6 +7838,1070 @@
 </p:sld>
 </file>
 
+<file path=ppt/slides/slide7.xml><?xml version="1.0" encoding="utf-8"?>
+<p:sld xmlns:a="http://schemas.openxmlformats.org/drawingml/2006/main" xmlns:r="http://schemas.openxmlformats.org/officeDocument/2006/relationships" xmlns:p="http://schemas.openxmlformats.org/presentationml/2006/main">
+  <p:cSld>
+    <p:bg>
+      <p:bgPr>
+        <a:solidFill>
+          <a:srgbClr val="556270"/>
+        </a:solidFill>
+        <a:effectLst/>
+      </p:bgPr>
+    </p:bg>
+    <p:spTree>
+      <p:nvGrpSpPr>
+        <p:cNvPr id="1" name=""/>
+        <p:cNvGrpSpPr/>
+        <p:nvPr/>
+      </p:nvGrpSpPr>
+      <p:grpSpPr>
+        <a:xfrm>
+          <a:off x="0" y="0"/>
+          <a:ext cx="0" cy="0"/>
+          <a:chOff x="0" y="0"/>
+          <a:chExt cx="0" cy="0"/>
+        </a:xfrm>
+      </p:grpSpPr>
+      <p:sp>
+        <p:nvSpPr>
+          <p:cNvPr id="10" name="Rectángulo: esquinas redondeadas 9">
+            <a:extLst>
+              <a:ext uri="{FF2B5EF4-FFF2-40B4-BE49-F238E27FC236}">
+                <a16:creationId xmlns:a16="http://schemas.microsoft.com/office/drawing/2014/main" id="{70D47368-1DF1-461A-816F-7695EAFC0D17}"/>
+              </a:ext>
+            </a:extLst>
+          </p:cNvPr>
+          <p:cNvSpPr/>
+          <p:nvPr/>
+        </p:nvSpPr>
+        <p:spPr>
+          <a:xfrm>
+            <a:off x="43616" y="1913860"/>
+            <a:ext cx="2380285" cy="716965"/>
+          </a:xfrm>
+          <a:prstGeom prst="roundRect">
+            <a:avLst/>
+          </a:prstGeom>
+          <a:solidFill>
+            <a:schemeClr val="accent6">
+              <a:lumMod val="60000"/>
+              <a:lumOff val="40000"/>
+            </a:schemeClr>
+          </a:solidFill>
+          <a:ln>
+            <a:noFill/>
+          </a:ln>
+        </p:spPr>
+        <p:style>
+          <a:lnRef idx="2">
+            <a:schemeClr val="accent1">
+              <a:shade val="50000"/>
+            </a:schemeClr>
+          </a:lnRef>
+          <a:fillRef idx="1">
+            <a:schemeClr val="accent1"/>
+          </a:fillRef>
+          <a:effectRef idx="0">
+            <a:schemeClr val="accent1"/>
+          </a:effectRef>
+          <a:fontRef idx="minor">
+            <a:schemeClr val="lt1"/>
+          </a:fontRef>
+        </p:style>
+        <p:txBody>
+          <a:bodyPr rtlCol="0" anchor="ctr"/>
+          <a:lstStyle/>
+          <a:p>
+            <a:pPr algn="ctr"/>
+            <a:r>
+              <a:rPr lang="es-CL" sz="2400" dirty="0">
+                <a:solidFill>
+                  <a:srgbClr val="C7F464"/>
+                </a:solidFill>
+              </a:rPr>
+              <a:t>Evaluación inicial</a:t>
+            </a:r>
+          </a:p>
+        </p:txBody>
+      </p:sp>
+      <p:sp>
+        <p:nvSpPr>
+          <p:cNvPr id="11" name="Rectángulo: esquinas redondeadas 10">
+            <a:extLst>
+              <a:ext uri="{FF2B5EF4-FFF2-40B4-BE49-F238E27FC236}">
+                <a16:creationId xmlns:a16="http://schemas.microsoft.com/office/drawing/2014/main" id="{BA3549DB-2EF8-4A65-86F5-3D94B41438C0}"/>
+              </a:ext>
+            </a:extLst>
+          </p:cNvPr>
+          <p:cNvSpPr/>
+          <p:nvPr/>
+        </p:nvSpPr>
+        <p:spPr>
+          <a:xfrm>
+            <a:off x="43615" y="2797322"/>
+            <a:ext cx="2380285" cy="3135646"/>
+          </a:xfrm>
+          <a:prstGeom prst="roundRect">
+            <a:avLst/>
+          </a:prstGeom>
+          <a:solidFill>
+            <a:srgbClr val="4ECDC4"/>
+          </a:solidFill>
+          <a:ln>
+            <a:noFill/>
+          </a:ln>
+        </p:spPr>
+        <p:style>
+          <a:lnRef idx="2">
+            <a:schemeClr val="accent1">
+              <a:shade val="50000"/>
+            </a:schemeClr>
+          </a:lnRef>
+          <a:fillRef idx="1">
+            <a:schemeClr val="accent1"/>
+          </a:fillRef>
+          <a:effectRef idx="0">
+            <a:schemeClr val="accent1"/>
+          </a:effectRef>
+          <a:fontRef idx="minor">
+            <a:schemeClr val="lt1"/>
+          </a:fontRef>
+        </p:style>
+        <p:txBody>
+          <a:bodyPr rtlCol="0" anchor="ctr"/>
+          <a:lstStyle/>
+          <a:p>
+            <a:pPr marL="171450" lvl="0" indent="-171450">
+              <a:buFont typeface="Arial" panose="020B0604020202020204" pitchFamily="34" charset="0"/>
+              <a:buChar char="•"/>
+            </a:pPr>
+            <a:r>
+              <a:rPr lang="es-MX" kern="1200" dirty="0">
+                <a:solidFill>
+                  <a:srgbClr val="C7F464"/>
+                </a:solidFill>
+                <a:latin typeface="Calibri" panose="020F0502020204030204"/>
+                <a:ea typeface="+mn-ea"/>
+                <a:cs typeface="+mn-cs"/>
+              </a:rPr>
+              <a:t>Cartas de presentac</a:t>
+            </a:r>
+            <a:r>
+              <a:rPr lang="es-MX" dirty="0">
+                <a:solidFill>
+                  <a:srgbClr val="C7F464"/>
+                </a:solidFill>
+                <a:latin typeface="Calibri" panose="020F0502020204030204"/>
+              </a:rPr>
+              <a:t>ión y currículos</a:t>
+            </a:r>
+          </a:p>
+          <a:p>
+            <a:pPr marL="171450" lvl="0" indent="-171450">
+              <a:buFont typeface="Arial" panose="020B0604020202020204" pitchFamily="34" charset="0"/>
+              <a:buChar char="•"/>
+            </a:pPr>
+            <a:r>
+              <a:rPr lang="es-MX" kern="1200" dirty="0">
+                <a:solidFill>
+                  <a:srgbClr val="C7F464"/>
+                </a:solidFill>
+                <a:latin typeface="Calibri" panose="020F0502020204030204"/>
+                <a:ea typeface="+mn-ea"/>
+                <a:cs typeface="+mn-cs"/>
+              </a:rPr>
+              <a:t>Verificación por internet</a:t>
+            </a:r>
+          </a:p>
+          <a:p>
+            <a:pPr marL="171450" lvl="0" indent="-171450">
+              <a:buFont typeface="Arial" panose="020B0604020202020204" pitchFamily="34" charset="0"/>
+              <a:buChar char="•"/>
+            </a:pPr>
+            <a:r>
+              <a:rPr lang="es-MX" dirty="0">
+                <a:solidFill>
+                  <a:srgbClr val="C7F464"/>
+                </a:solidFill>
+                <a:latin typeface="Calibri" panose="020F0502020204030204"/>
+              </a:rPr>
+              <a:t>E</a:t>
+            </a:r>
+            <a:r>
+              <a:rPr lang="es-MX" kern="1200" dirty="0">
+                <a:solidFill>
+                  <a:srgbClr val="C7F464"/>
+                </a:solidFill>
+                <a:latin typeface="Calibri" panose="020F0502020204030204"/>
+                <a:ea typeface="+mn-ea"/>
+                <a:cs typeface="+mn-cs"/>
+              </a:rPr>
+              <a:t>valuación por teléfono</a:t>
+            </a:r>
+          </a:p>
+          <a:p>
+            <a:pPr marL="171450" lvl="0" indent="-171450">
+              <a:buFont typeface="Arial" panose="020B0604020202020204" pitchFamily="34" charset="0"/>
+              <a:buChar char="•"/>
+            </a:pPr>
+            <a:r>
+              <a:rPr lang="es-MX" dirty="0">
+                <a:solidFill>
+                  <a:srgbClr val="C7F464"/>
+                </a:solidFill>
+                <a:latin typeface="Calibri" panose="020F0502020204030204"/>
+              </a:rPr>
+              <a:t>Solicitudes de empleo</a:t>
+            </a:r>
+          </a:p>
+          <a:p>
+            <a:pPr marL="171450" lvl="0" indent="-171450">
+              <a:buFont typeface="Arial" panose="020B0604020202020204" pitchFamily="34" charset="0"/>
+              <a:buChar char="•"/>
+            </a:pPr>
+            <a:r>
+              <a:rPr lang="es-MX" kern="1200" dirty="0">
+                <a:solidFill>
+                  <a:srgbClr val="C7F464"/>
+                </a:solidFill>
+                <a:latin typeface="Calibri" panose="020F0502020204030204"/>
+                <a:ea typeface="+mn-ea"/>
+                <a:cs typeface="+mn-cs"/>
+              </a:rPr>
+              <a:t>Solicitudes en línea</a:t>
+            </a:r>
+            <a:endParaRPr lang="es-CL" kern="1200" dirty="0">
+              <a:solidFill>
+                <a:srgbClr val="C7F464"/>
+              </a:solidFill>
+              <a:latin typeface="Calibri" panose="020F0502020204030204"/>
+              <a:ea typeface="+mn-ea"/>
+              <a:cs typeface="+mn-cs"/>
+            </a:endParaRPr>
+          </a:p>
+        </p:txBody>
+      </p:sp>
+      <p:sp>
+        <p:nvSpPr>
+          <p:cNvPr id="16" name="Rectángulo: esquinas redondeadas 15">
+            <a:extLst>
+              <a:ext uri="{FF2B5EF4-FFF2-40B4-BE49-F238E27FC236}">
+                <a16:creationId xmlns:a16="http://schemas.microsoft.com/office/drawing/2014/main" id="{4CB84DEE-4E18-45F4-8C58-66F90BD94767}"/>
+              </a:ext>
+            </a:extLst>
+          </p:cNvPr>
+          <p:cNvSpPr/>
+          <p:nvPr/>
+        </p:nvSpPr>
+        <p:spPr>
+          <a:xfrm>
+            <a:off x="2476599" y="2797322"/>
+            <a:ext cx="2379745" cy="3135646"/>
+          </a:xfrm>
+          <a:prstGeom prst="roundRect">
+            <a:avLst/>
+          </a:prstGeom>
+          <a:solidFill>
+            <a:srgbClr val="4ECDC4"/>
+          </a:solidFill>
+          <a:ln>
+            <a:noFill/>
+          </a:ln>
+        </p:spPr>
+        <p:style>
+          <a:lnRef idx="2">
+            <a:schemeClr val="accent1">
+              <a:shade val="50000"/>
+            </a:schemeClr>
+          </a:lnRef>
+          <a:fillRef idx="1">
+            <a:schemeClr val="accent1"/>
+          </a:fillRef>
+          <a:effectRef idx="0">
+            <a:schemeClr val="accent1"/>
+          </a:effectRef>
+          <a:fontRef idx="minor">
+            <a:schemeClr val="lt1"/>
+          </a:fontRef>
+        </p:style>
+        <p:txBody>
+          <a:bodyPr rtlCol="0" anchor="ctr"/>
+          <a:lstStyle/>
+          <a:p>
+            <a:pPr marL="228600" lvl="0" indent="-228600" defTabSz="914400" rtl="0" eaLnBrk="1" latinLnBrk="0" hangingPunct="1">
+              <a:lnSpc>
+                <a:spcPct val="90000"/>
+              </a:lnSpc>
+              <a:spcBef>
+                <a:spcPct val="0"/>
+              </a:spcBef>
+              <a:spcAft>
+                <a:spcPct val="15000"/>
+              </a:spcAft>
+              <a:buChar char="•"/>
+            </a:pPr>
+            <a:r>
+              <a:rPr lang="es-MX" dirty="0">
+                <a:solidFill>
+                  <a:srgbClr val="C7F464"/>
+                </a:solidFill>
+              </a:rPr>
+              <a:t>No dirigida</a:t>
+            </a:r>
+          </a:p>
+          <a:p>
+            <a:pPr marL="228600" lvl="0" indent="-228600" defTabSz="914400" rtl="0" eaLnBrk="1" latinLnBrk="0" hangingPunct="1">
+              <a:lnSpc>
+                <a:spcPct val="90000"/>
+              </a:lnSpc>
+              <a:spcBef>
+                <a:spcPct val="0"/>
+              </a:spcBef>
+              <a:spcAft>
+                <a:spcPct val="15000"/>
+              </a:spcAft>
+              <a:buChar char="•"/>
+            </a:pPr>
+            <a:r>
+              <a:rPr lang="es-MX" kern="1200" dirty="0">
+                <a:solidFill>
+                  <a:srgbClr val="C7F464"/>
+                </a:solidFill>
+                <a:latin typeface="+mn-lt"/>
+                <a:ea typeface="+mn-ea"/>
+                <a:cs typeface="+mn-cs"/>
+              </a:rPr>
+              <a:t>Estructurada</a:t>
+            </a:r>
+          </a:p>
+          <a:p>
+            <a:pPr marL="228600" lvl="0" indent="-228600" defTabSz="914400" rtl="0" eaLnBrk="1" latinLnBrk="0" hangingPunct="1">
+              <a:lnSpc>
+                <a:spcPct val="90000"/>
+              </a:lnSpc>
+              <a:spcBef>
+                <a:spcPct val="0"/>
+              </a:spcBef>
+              <a:spcAft>
+                <a:spcPct val="15000"/>
+              </a:spcAft>
+              <a:buChar char="•"/>
+            </a:pPr>
+            <a:r>
+              <a:rPr lang="es-MX" dirty="0">
+                <a:solidFill>
+                  <a:srgbClr val="C7F464"/>
+                </a:solidFill>
+              </a:rPr>
+              <a:t>Situacional</a:t>
+            </a:r>
+          </a:p>
+          <a:p>
+            <a:pPr marL="228600" lvl="0" indent="-228600" defTabSz="914400" rtl="0" eaLnBrk="1" latinLnBrk="0" hangingPunct="1">
+              <a:lnSpc>
+                <a:spcPct val="90000"/>
+              </a:lnSpc>
+              <a:spcBef>
+                <a:spcPct val="0"/>
+              </a:spcBef>
+              <a:spcAft>
+                <a:spcPct val="15000"/>
+              </a:spcAft>
+              <a:buChar char="•"/>
+            </a:pPr>
+            <a:r>
+              <a:rPr lang="es-MX" kern="1200" dirty="0">
+                <a:solidFill>
+                  <a:srgbClr val="C7F464"/>
+                </a:solidFill>
+                <a:latin typeface="+mn-lt"/>
+                <a:ea typeface="+mn-ea"/>
+                <a:cs typeface="+mn-cs"/>
+              </a:rPr>
+              <a:t>Descripción de comportamiento</a:t>
+            </a:r>
+          </a:p>
+          <a:p>
+            <a:pPr marL="228600" lvl="0" indent="-228600" defTabSz="914400" rtl="0" eaLnBrk="1" latinLnBrk="0" hangingPunct="1">
+              <a:lnSpc>
+                <a:spcPct val="90000"/>
+              </a:lnSpc>
+              <a:spcBef>
+                <a:spcPct val="0"/>
+              </a:spcBef>
+              <a:spcAft>
+                <a:spcPct val="15000"/>
+              </a:spcAft>
+              <a:buChar char="•"/>
+            </a:pPr>
+            <a:r>
+              <a:rPr lang="es-MX" dirty="0">
+                <a:solidFill>
+                  <a:srgbClr val="C7F464"/>
+                </a:solidFill>
+              </a:rPr>
+              <a:t>Panel y secuenciales</a:t>
+            </a:r>
+          </a:p>
+          <a:p>
+            <a:pPr marL="228600" lvl="0" indent="-228600" defTabSz="914400" rtl="0" eaLnBrk="1" latinLnBrk="0" hangingPunct="1">
+              <a:lnSpc>
+                <a:spcPct val="90000"/>
+              </a:lnSpc>
+              <a:spcBef>
+                <a:spcPct val="0"/>
+              </a:spcBef>
+              <a:spcAft>
+                <a:spcPct val="15000"/>
+              </a:spcAft>
+              <a:buChar char="•"/>
+            </a:pPr>
+            <a:r>
+              <a:rPr lang="es-MX" kern="1200" dirty="0">
+                <a:solidFill>
+                  <a:srgbClr val="C7F464"/>
+                </a:solidFill>
+                <a:latin typeface="+mn-lt"/>
+                <a:ea typeface="+mn-ea"/>
+                <a:cs typeface="+mn-cs"/>
+              </a:rPr>
+              <a:t>Telefónicas</a:t>
+            </a:r>
+          </a:p>
+          <a:p>
+            <a:pPr marL="228600" lvl="0" indent="-228600" defTabSz="914400" rtl="0" eaLnBrk="1" latinLnBrk="0" hangingPunct="1">
+              <a:lnSpc>
+                <a:spcPct val="90000"/>
+              </a:lnSpc>
+              <a:spcBef>
+                <a:spcPct val="0"/>
+              </a:spcBef>
+              <a:spcAft>
+                <a:spcPct val="15000"/>
+              </a:spcAft>
+              <a:buChar char="•"/>
+            </a:pPr>
+            <a:r>
+              <a:rPr lang="es-MX" dirty="0">
+                <a:solidFill>
+                  <a:srgbClr val="C7F464"/>
+                </a:solidFill>
+              </a:rPr>
+              <a:t>Por computadora</a:t>
+            </a:r>
+          </a:p>
+          <a:p>
+            <a:pPr marL="228600" lvl="0" indent="-228600" defTabSz="914400" rtl="0" eaLnBrk="1" latinLnBrk="0" hangingPunct="1">
+              <a:lnSpc>
+                <a:spcPct val="90000"/>
+              </a:lnSpc>
+              <a:spcBef>
+                <a:spcPct val="0"/>
+              </a:spcBef>
+              <a:spcAft>
+                <a:spcPct val="15000"/>
+              </a:spcAft>
+              <a:buChar char="•"/>
+            </a:pPr>
+            <a:r>
+              <a:rPr lang="es-MX" kern="1200" dirty="0">
+                <a:solidFill>
+                  <a:srgbClr val="C7F464"/>
+                </a:solidFill>
+                <a:latin typeface="+mn-lt"/>
+                <a:ea typeface="+mn-ea"/>
+                <a:cs typeface="+mn-cs"/>
+              </a:rPr>
+              <a:t>Video entrevista</a:t>
+            </a:r>
+          </a:p>
+        </p:txBody>
+      </p:sp>
+      <p:sp>
+        <p:nvSpPr>
+          <p:cNvPr id="17" name="Rectángulo: esquinas redondeadas 16">
+            <a:extLst>
+              <a:ext uri="{FF2B5EF4-FFF2-40B4-BE49-F238E27FC236}">
+                <a16:creationId xmlns:a16="http://schemas.microsoft.com/office/drawing/2014/main" id="{52A9256D-F8E1-488A-AB21-F0387ED22384}"/>
+              </a:ext>
+            </a:extLst>
+          </p:cNvPr>
+          <p:cNvSpPr/>
+          <p:nvPr/>
+        </p:nvSpPr>
+        <p:spPr>
+          <a:xfrm>
+            <a:off x="2476195" y="1913860"/>
+            <a:ext cx="2380285" cy="716965"/>
+          </a:xfrm>
+          <a:prstGeom prst="roundRect">
+            <a:avLst/>
+          </a:prstGeom>
+          <a:solidFill>
+            <a:schemeClr val="accent6">
+              <a:lumMod val="60000"/>
+              <a:lumOff val="40000"/>
+            </a:schemeClr>
+          </a:solidFill>
+          <a:ln>
+            <a:noFill/>
+          </a:ln>
+        </p:spPr>
+        <p:style>
+          <a:lnRef idx="2">
+            <a:schemeClr val="accent1">
+              <a:shade val="50000"/>
+            </a:schemeClr>
+          </a:lnRef>
+          <a:fillRef idx="1">
+            <a:schemeClr val="accent1"/>
+          </a:fillRef>
+          <a:effectRef idx="0">
+            <a:schemeClr val="accent1"/>
+          </a:effectRef>
+          <a:fontRef idx="minor">
+            <a:schemeClr val="lt1"/>
+          </a:fontRef>
+        </p:style>
+        <p:txBody>
+          <a:bodyPr rtlCol="0" anchor="ctr"/>
+          <a:lstStyle/>
+          <a:p>
+            <a:pPr algn="ctr"/>
+            <a:r>
+              <a:rPr lang="es-CL" sz="2400" dirty="0">
+                <a:solidFill>
+                  <a:srgbClr val="C7F464"/>
+                </a:solidFill>
+              </a:rPr>
+              <a:t>La entrevista de empleo</a:t>
+            </a:r>
+          </a:p>
+        </p:txBody>
+      </p:sp>
+      <p:sp>
+        <p:nvSpPr>
+          <p:cNvPr id="6" name="Rectángulo: esquinas redondeadas 5">
+            <a:extLst>
+              <a:ext uri="{FF2B5EF4-FFF2-40B4-BE49-F238E27FC236}">
+                <a16:creationId xmlns:a16="http://schemas.microsoft.com/office/drawing/2014/main" id="{547CE2DD-C0A1-48E2-ABDF-4C047098ED8C}"/>
+              </a:ext>
+            </a:extLst>
+          </p:cNvPr>
+          <p:cNvSpPr/>
+          <p:nvPr/>
+        </p:nvSpPr>
+        <p:spPr>
+          <a:xfrm>
+            <a:off x="4909044" y="2797322"/>
+            <a:ext cx="2379745" cy="3135646"/>
+          </a:xfrm>
+          <a:prstGeom prst="roundRect">
+            <a:avLst/>
+          </a:prstGeom>
+          <a:solidFill>
+            <a:srgbClr val="4ECDC4"/>
+          </a:solidFill>
+          <a:ln>
+            <a:noFill/>
+          </a:ln>
+        </p:spPr>
+        <p:style>
+          <a:lnRef idx="2">
+            <a:schemeClr val="accent1">
+              <a:shade val="50000"/>
+            </a:schemeClr>
+          </a:lnRef>
+          <a:fillRef idx="1">
+            <a:schemeClr val="accent1"/>
+          </a:fillRef>
+          <a:effectRef idx="0">
+            <a:schemeClr val="accent1"/>
+          </a:effectRef>
+          <a:fontRef idx="minor">
+            <a:schemeClr val="lt1"/>
+          </a:fontRef>
+        </p:style>
+        <p:txBody>
+          <a:bodyPr rtlCol="0" anchor="ctr"/>
+          <a:lstStyle/>
+          <a:p>
+            <a:pPr marL="228600" lvl="0" indent="-228600" defTabSz="914400" rtl="0" eaLnBrk="1" latinLnBrk="0" hangingPunct="1">
+              <a:lnSpc>
+                <a:spcPct val="90000"/>
+              </a:lnSpc>
+              <a:spcBef>
+                <a:spcPct val="0"/>
+              </a:spcBef>
+              <a:spcAft>
+                <a:spcPct val="15000"/>
+              </a:spcAft>
+              <a:buChar char="•"/>
+            </a:pPr>
+            <a:r>
+              <a:rPr lang="es-MX" dirty="0">
+                <a:solidFill>
+                  <a:srgbClr val="C7F464"/>
+                </a:solidFill>
+              </a:rPr>
+              <a:t>Verificación de las referencias</a:t>
+            </a:r>
+          </a:p>
+          <a:p>
+            <a:pPr marL="228600" lvl="0" indent="-228600" defTabSz="914400" rtl="0" eaLnBrk="1" latinLnBrk="0" hangingPunct="1">
+              <a:lnSpc>
+                <a:spcPct val="90000"/>
+              </a:lnSpc>
+              <a:spcBef>
+                <a:spcPct val="0"/>
+              </a:spcBef>
+              <a:spcAft>
+                <a:spcPct val="15000"/>
+              </a:spcAft>
+              <a:buChar char="•"/>
+            </a:pPr>
+            <a:r>
+              <a:rPr lang="es-MX" kern="1200" dirty="0">
+                <a:solidFill>
+                  <a:srgbClr val="C7F464"/>
+                </a:solidFill>
+                <a:latin typeface="+mn-lt"/>
+                <a:ea typeface="+mn-ea"/>
+                <a:cs typeface="+mn-cs"/>
+              </a:rPr>
+              <a:t>Revisión de antecedentes</a:t>
+            </a:r>
+          </a:p>
+          <a:p>
+            <a:pPr marL="228600" lvl="0" indent="-228600" defTabSz="914400" rtl="0" eaLnBrk="1" latinLnBrk="0" hangingPunct="1">
+              <a:lnSpc>
+                <a:spcPct val="90000"/>
+              </a:lnSpc>
+              <a:spcBef>
+                <a:spcPct val="0"/>
+              </a:spcBef>
+              <a:spcAft>
+                <a:spcPct val="15000"/>
+              </a:spcAft>
+              <a:buChar char="•"/>
+            </a:pPr>
+            <a:r>
+              <a:rPr lang="es-MX" dirty="0">
+                <a:solidFill>
+                  <a:srgbClr val="C7F464"/>
+                </a:solidFill>
+              </a:rPr>
+              <a:t>Revisión de créditos</a:t>
+            </a:r>
+          </a:p>
+        </p:txBody>
+      </p:sp>
+      <p:sp>
+        <p:nvSpPr>
+          <p:cNvPr id="7" name="Rectángulo: esquinas redondeadas 6">
+            <a:extLst>
+              <a:ext uri="{FF2B5EF4-FFF2-40B4-BE49-F238E27FC236}">
+                <a16:creationId xmlns:a16="http://schemas.microsoft.com/office/drawing/2014/main" id="{F461F02D-28F0-4492-89BA-41721DCD8D4A}"/>
+              </a:ext>
+            </a:extLst>
+          </p:cNvPr>
+          <p:cNvSpPr/>
+          <p:nvPr/>
+        </p:nvSpPr>
+        <p:spPr>
+          <a:xfrm>
+            <a:off x="4908774" y="1913860"/>
+            <a:ext cx="2380285" cy="716965"/>
+          </a:xfrm>
+          <a:prstGeom prst="roundRect">
+            <a:avLst/>
+          </a:prstGeom>
+          <a:solidFill>
+            <a:schemeClr val="accent6">
+              <a:lumMod val="60000"/>
+              <a:lumOff val="40000"/>
+            </a:schemeClr>
+          </a:solidFill>
+          <a:ln>
+            <a:noFill/>
+          </a:ln>
+        </p:spPr>
+        <p:style>
+          <a:lnRef idx="2">
+            <a:schemeClr val="accent1">
+              <a:shade val="50000"/>
+            </a:schemeClr>
+          </a:lnRef>
+          <a:fillRef idx="1">
+            <a:schemeClr val="accent1"/>
+          </a:fillRef>
+          <a:effectRef idx="0">
+            <a:schemeClr val="accent1"/>
+          </a:effectRef>
+          <a:fontRef idx="minor">
+            <a:schemeClr val="lt1"/>
+          </a:fontRef>
+        </p:style>
+        <p:txBody>
+          <a:bodyPr rtlCol="0" anchor="ctr"/>
+          <a:lstStyle/>
+          <a:p>
+            <a:pPr algn="ctr"/>
+            <a:r>
+              <a:rPr lang="es-CL" sz="2400" dirty="0">
+                <a:solidFill>
+                  <a:srgbClr val="C7F464"/>
+                </a:solidFill>
+              </a:rPr>
+              <a:t>Post entrevista</a:t>
+            </a:r>
+          </a:p>
+        </p:txBody>
+      </p:sp>
+      <p:sp>
+        <p:nvSpPr>
+          <p:cNvPr id="8" name="Rectángulo: esquinas redondeadas 7">
+            <a:extLst>
+              <a:ext uri="{FF2B5EF4-FFF2-40B4-BE49-F238E27FC236}">
+                <a16:creationId xmlns:a16="http://schemas.microsoft.com/office/drawing/2014/main" id="{A4767D70-F872-4AD5-A7E5-114F9A21AAC8}"/>
+              </a:ext>
+            </a:extLst>
+          </p:cNvPr>
+          <p:cNvSpPr/>
+          <p:nvPr/>
+        </p:nvSpPr>
+        <p:spPr>
+          <a:xfrm>
+            <a:off x="7341489" y="2797322"/>
+            <a:ext cx="2379745" cy="3135646"/>
+          </a:xfrm>
+          <a:prstGeom prst="roundRect">
+            <a:avLst/>
+          </a:prstGeom>
+          <a:solidFill>
+            <a:srgbClr val="4ECDC4"/>
+          </a:solidFill>
+          <a:ln>
+            <a:noFill/>
+          </a:ln>
+        </p:spPr>
+        <p:style>
+          <a:lnRef idx="2">
+            <a:schemeClr val="accent1">
+              <a:shade val="50000"/>
+            </a:schemeClr>
+          </a:lnRef>
+          <a:fillRef idx="1">
+            <a:schemeClr val="accent1"/>
+          </a:fillRef>
+          <a:effectRef idx="0">
+            <a:schemeClr val="accent1"/>
+          </a:effectRef>
+          <a:fontRef idx="minor">
+            <a:schemeClr val="lt1"/>
+          </a:fontRef>
+        </p:style>
+        <p:txBody>
+          <a:bodyPr rtlCol="0" anchor="ctr"/>
+          <a:lstStyle/>
+          <a:p>
+            <a:pPr marL="228600" lvl="0" indent="-228600" defTabSz="914400" rtl="0" eaLnBrk="1" latinLnBrk="0" hangingPunct="1">
+              <a:lnSpc>
+                <a:spcPct val="90000"/>
+              </a:lnSpc>
+              <a:spcBef>
+                <a:spcPct val="0"/>
+              </a:spcBef>
+              <a:spcAft>
+                <a:spcPct val="15000"/>
+              </a:spcAft>
+              <a:buChar char="•"/>
+            </a:pPr>
+            <a:r>
+              <a:rPr lang="es-MX" dirty="0">
+                <a:solidFill>
+                  <a:srgbClr val="C7F464"/>
+                </a:solidFill>
+              </a:rPr>
+              <a:t>Tipos de pruebas técnicas y psicológicas</a:t>
+            </a:r>
+          </a:p>
+          <a:p>
+            <a:pPr marL="228600" lvl="0" indent="-228600" defTabSz="914400" rtl="0" eaLnBrk="1" latinLnBrk="0" hangingPunct="1">
+              <a:lnSpc>
+                <a:spcPct val="90000"/>
+              </a:lnSpc>
+              <a:spcBef>
+                <a:spcPct val="0"/>
+              </a:spcBef>
+              <a:spcAft>
+                <a:spcPct val="15000"/>
+              </a:spcAft>
+              <a:buChar char="•"/>
+            </a:pPr>
+            <a:r>
+              <a:rPr lang="es-MX" dirty="0">
+                <a:solidFill>
+                  <a:srgbClr val="C7F464"/>
+                </a:solidFill>
+              </a:rPr>
+              <a:t>Validez de pruebas</a:t>
+            </a:r>
+          </a:p>
+        </p:txBody>
+      </p:sp>
+      <p:sp>
+        <p:nvSpPr>
+          <p:cNvPr id="9" name="Rectángulo: esquinas redondeadas 8">
+            <a:extLst>
+              <a:ext uri="{FF2B5EF4-FFF2-40B4-BE49-F238E27FC236}">
+                <a16:creationId xmlns:a16="http://schemas.microsoft.com/office/drawing/2014/main" id="{60F1681A-6DF5-45F6-98FD-16FD236ED083}"/>
+              </a:ext>
+            </a:extLst>
+          </p:cNvPr>
+          <p:cNvSpPr/>
+          <p:nvPr/>
+        </p:nvSpPr>
+        <p:spPr>
+          <a:xfrm>
+            <a:off x="7341353" y="1913860"/>
+            <a:ext cx="2380285" cy="716965"/>
+          </a:xfrm>
+          <a:prstGeom prst="roundRect">
+            <a:avLst/>
+          </a:prstGeom>
+          <a:solidFill>
+            <a:schemeClr val="accent6">
+              <a:lumMod val="60000"/>
+              <a:lumOff val="40000"/>
+            </a:schemeClr>
+          </a:solidFill>
+          <a:ln>
+            <a:noFill/>
+          </a:ln>
+        </p:spPr>
+        <p:style>
+          <a:lnRef idx="2">
+            <a:schemeClr val="accent1">
+              <a:shade val="50000"/>
+            </a:schemeClr>
+          </a:lnRef>
+          <a:fillRef idx="1">
+            <a:schemeClr val="accent1"/>
+          </a:fillRef>
+          <a:effectRef idx="0">
+            <a:schemeClr val="accent1"/>
+          </a:effectRef>
+          <a:fontRef idx="minor">
+            <a:schemeClr val="lt1"/>
+          </a:fontRef>
+        </p:style>
+        <p:txBody>
+          <a:bodyPr rtlCol="0" anchor="ctr"/>
+          <a:lstStyle/>
+          <a:p>
+            <a:pPr algn="ctr"/>
+            <a:r>
+              <a:rPr lang="es-CL" sz="2400" dirty="0">
+                <a:solidFill>
+                  <a:srgbClr val="C7F464"/>
+                </a:solidFill>
+              </a:rPr>
+              <a:t>Pruebas antes del empleo</a:t>
+            </a:r>
+          </a:p>
+        </p:txBody>
+      </p:sp>
+      <p:sp>
+        <p:nvSpPr>
+          <p:cNvPr id="12" name="Rectángulo: esquinas redondeadas 11">
+            <a:extLst>
+              <a:ext uri="{FF2B5EF4-FFF2-40B4-BE49-F238E27FC236}">
+                <a16:creationId xmlns:a16="http://schemas.microsoft.com/office/drawing/2014/main" id="{2CFDFBDC-E815-498A-8BA5-1CA0D60CE4A6}"/>
+              </a:ext>
+            </a:extLst>
+          </p:cNvPr>
+          <p:cNvSpPr/>
+          <p:nvPr/>
+        </p:nvSpPr>
+        <p:spPr>
+          <a:xfrm>
+            <a:off x="9773933" y="2797322"/>
+            <a:ext cx="2379745" cy="3135646"/>
+          </a:xfrm>
+          <a:prstGeom prst="roundRect">
+            <a:avLst/>
+          </a:prstGeom>
+          <a:solidFill>
+            <a:srgbClr val="4ECDC4"/>
+          </a:solidFill>
+          <a:ln>
+            <a:noFill/>
+          </a:ln>
+        </p:spPr>
+        <p:style>
+          <a:lnRef idx="2">
+            <a:schemeClr val="accent1">
+              <a:shade val="50000"/>
+            </a:schemeClr>
+          </a:lnRef>
+          <a:fillRef idx="1">
+            <a:schemeClr val="accent1"/>
+          </a:fillRef>
+          <a:effectRef idx="0">
+            <a:schemeClr val="accent1"/>
+          </a:effectRef>
+          <a:fontRef idx="minor">
+            <a:schemeClr val="lt1"/>
+          </a:fontRef>
+        </p:style>
+        <p:txBody>
+          <a:bodyPr rtlCol="0" anchor="ctr"/>
+          <a:lstStyle/>
+          <a:p>
+            <a:pPr marL="228600" lvl="0" indent="-228600" defTabSz="914400" rtl="0" eaLnBrk="1" latinLnBrk="0" hangingPunct="1">
+              <a:lnSpc>
+                <a:spcPct val="90000"/>
+              </a:lnSpc>
+              <a:spcBef>
+                <a:spcPct val="0"/>
+              </a:spcBef>
+              <a:spcAft>
+                <a:spcPct val="15000"/>
+              </a:spcAft>
+              <a:buChar char="•"/>
+            </a:pPr>
+            <a:r>
+              <a:rPr lang="es-MX" dirty="0">
+                <a:solidFill>
+                  <a:srgbClr val="C7F464"/>
+                </a:solidFill>
+              </a:rPr>
+              <a:t>Compilación de información</a:t>
+            </a:r>
+          </a:p>
+          <a:p>
+            <a:pPr marL="228600" lvl="0" indent="-228600" defTabSz="914400" rtl="0" eaLnBrk="1" latinLnBrk="0" hangingPunct="1">
+              <a:lnSpc>
+                <a:spcPct val="90000"/>
+              </a:lnSpc>
+              <a:spcBef>
+                <a:spcPct val="0"/>
+              </a:spcBef>
+              <a:spcAft>
+                <a:spcPct val="15000"/>
+              </a:spcAft>
+              <a:buChar char="•"/>
+            </a:pPr>
+            <a:r>
+              <a:rPr lang="es-MX" dirty="0">
+                <a:solidFill>
+                  <a:srgbClr val="C7F464"/>
+                </a:solidFill>
+              </a:rPr>
+              <a:t>Estrategia de decisión</a:t>
+            </a:r>
+          </a:p>
+          <a:p>
+            <a:pPr marL="228600" lvl="0" indent="-228600" defTabSz="914400" rtl="0" eaLnBrk="1" latinLnBrk="0" hangingPunct="1">
+              <a:lnSpc>
+                <a:spcPct val="90000"/>
+              </a:lnSpc>
+              <a:spcBef>
+                <a:spcPct val="0"/>
+              </a:spcBef>
+              <a:spcAft>
+                <a:spcPct val="15000"/>
+              </a:spcAft>
+              <a:buChar char="•"/>
+            </a:pPr>
+            <a:r>
+              <a:rPr lang="es-MX" dirty="0">
+                <a:solidFill>
+                  <a:srgbClr val="C7F464"/>
+                </a:solidFill>
+              </a:rPr>
+              <a:t>Decisión final</a:t>
+            </a:r>
+          </a:p>
+        </p:txBody>
+      </p:sp>
+      <p:sp>
+        <p:nvSpPr>
+          <p:cNvPr id="13" name="Rectángulo: esquinas redondeadas 12">
+            <a:extLst>
+              <a:ext uri="{FF2B5EF4-FFF2-40B4-BE49-F238E27FC236}">
+                <a16:creationId xmlns:a16="http://schemas.microsoft.com/office/drawing/2014/main" id="{EE5F6A3B-CBFA-4EB0-AABB-271B1615B9E6}"/>
+              </a:ext>
+            </a:extLst>
+          </p:cNvPr>
+          <p:cNvSpPr/>
+          <p:nvPr/>
+        </p:nvSpPr>
+        <p:spPr>
+          <a:xfrm>
+            <a:off x="9773933" y="1913860"/>
+            <a:ext cx="2380285" cy="716965"/>
+          </a:xfrm>
+          <a:prstGeom prst="roundRect">
+            <a:avLst/>
+          </a:prstGeom>
+          <a:solidFill>
+            <a:schemeClr val="accent6">
+              <a:lumMod val="60000"/>
+              <a:lumOff val="40000"/>
+            </a:schemeClr>
+          </a:solidFill>
+          <a:ln>
+            <a:noFill/>
+          </a:ln>
+        </p:spPr>
+        <p:style>
+          <a:lnRef idx="2">
+            <a:schemeClr val="accent1">
+              <a:shade val="50000"/>
+            </a:schemeClr>
+          </a:lnRef>
+          <a:fillRef idx="1">
+            <a:schemeClr val="accent1"/>
+          </a:fillRef>
+          <a:effectRef idx="0">
+            <a:schemeClr val="accent1"/>
+          </a:effectRef>
+          <a:fontRef idx="minor">
+            <a:schemeClr val="lt1"/>
+          </a:fontRef>
+        </p:style>
+        <p:txBody>
+          <a:bodyPr rtlCol="0" anchor="ctr"/>
+          <a:lstStyle/>
+          <a:p>
+            <a:pPr algn="ctr"/>
+            <a:r>
+              <a:rPr lang="es-CL" sz="2400" dirty="0">
+                <a:solidFill>
+                  <a:srgbClr val="C7F464"/>
+                </a:solidFill>
+              </a:rPr>
+              <a:t>Decisión de selección</a:t>
+            </a:r>
+          </a:p>
+        </p:txBody>
+      </p:sp>
+    </p:spTree>
+    <p:extLst>
+      <p:ext uri="{BB962C8B-B14F-4D97-AF65-F5344CB8AC3E}">
+        <p14:creationId xmlns:p14="http://schemas.microsoft.com/office/powerpoint/2010/main" val="192047271"/>
+      </p:ext>
+    </p:extLst>
+  </p:cSld>
+  <p:clrMapOvr>
+    <a:masterClrMapping/>
+  </p:clrMapOvr>
+</p:sld>
+</file>
+
 <file path=ppt/theme/theme1.xml><?xml version="1.0" encoding="utf-8"?>
 <a:theme xmlns:a="http://schemas.openxmlformats.org/drawingml/2006/main" name="Tema de Office">
   <a:themeElements>

--- a/media/Resumen.pptx
+++ b/media/Resumen.pptx
@@ -12,6 +12,7 @@
     <p:sldId id="260" r:id="rId6"/>
     <p:sldId id="261" r:id="rId7"/>
     <p:sldId id="262" r:id="rId8"/>
+    <p:sldId id="263" r:id="rId9"/>
   </p:sldIdLst>
   <p:sldSz cx="12192000" cy="6858000"/>
   <p:notesSz cx="6858000" cy="9144000"/>
@@ -267,7 +268,7 @@
           <a:p>
             <a:fld id="{B24185D3-528A-406D-87C2-1A608670BDF1}" type="datetimeFigureOut">
               <a:rPr lang="es-CL" smtClean="0"/>
-              <a:t>30-12-2020</a:t>
+              <a:t>31-12-2020</a:t>
             </a:fld>
             <a:endParaRPr lang="es-CL"/>
           </a:p>
@@ -467,7 +468,7 @@
           <a:p>
             <a:fld id="{B24185D3-528A-406D-87C2-1A608670BDF1}" type="datetimeFigureOut">
               <a:rPr lang="es-CL" smtClean="0"/>
-              <a:t>30-12-2020</a:t>
+              <a:t>31-12-2020</a:t>
             </a:fld>
             <a:endParaRPr lang="es-CL"/>
           </a:p>
@@ -677,7 +678,7 @@
           <a:p>
             <a:fld id="{B24185D3-528A-406D-87C2-1A608670BDF1}" type="datetimeFigureOut">
               <a:rPr lang="es-CL" smtClean="0"/>
-              <a:t>30-12-2020</a:t>
+              <a:t>31-12-2020</a:t>
             </a:fld>
             <a:endParaRPr lang="es-CL"/>
           </a:p>
@@ -877,7 +878,7 @@
           <a:p>
             <a:fld id="{B24185D3-528A-406D-87C2-1A608670BDF1}" type="datetimeFigureOut">
               <a:rPr lang="es-CL" smtClean="0"/>
-              <a:t>30-12-2020</a:t>
+              <a:t>31-12-2020</a:t>
             </a:fld>
             <a:endParaRPr lang="es-CL"/>
           </a:p>
@@ -1153,7 +1154,7 @@
           <a:p>
             <a:fld id="{B24185D3-528A-406D-87C2-1A608670BDF1}" type="datetimeFigureOut">
               <a:rPr lang="es-CL" smtClean="0"/>
-              <a:t>30-12-2020</a:t>
+              <a:t>31-12-2020</a:t>
             </a:fld>
             <a:endParaRPr lang="es-CL"/>
           </a:p>
@@ -1421,7 +1422,7 @@
           <a:p>
             <a:fld id="{B24185D3-528A-406D-87C2-1A608670BDF1}" type="datetimeFigureOut">
               <a:rPr lang="es-CL" smtClean="0"/>
-              <a:t>30-12-2020</a:t>
+              <a:t>31-12-2020</a:t>
             </a:fld>
             <a:endParaRPr lang="es-CL"/>
           </a:p>
@@ -1836,7 +1837,7 @@
           <a:p>
             <a:fld id="{B24185D3-528A-406D-87C2-1A608670BDF1}" type="datetimeFigureOut">
               <a:rPr lang="es-CL" smtClean="0"/>
-              <a:t>30-12-2020</a:t>
+              <a:t>31-12-2020</a:t>
             </a:fld>
             <a:endParaRPr lang="es-CL"/>
           </a:p>
@@ -1978,7 +1979,7 @@
           <a:p>
             <a:fld id="{B24185D3-528A-406D-87C2-1A608670BDF1}" type="datetimeFigureOut">
               <a:rPr lang="es-CL" smtClean="0"/>
-              <a:t>30-12-2020</a:t>
+              <a:t>31-12-2020</a:t>
             </a:fld>
             <a:endParaRPr lang="es-CL"/>
           </a:p>
@@ -2091,7 +2092,7 @@
           <a:p>
             <a:fld id="{B24185D3-528A-406D-87C2-1A608670BDF1}" type="datetimeFigureOut">
               <a:rPr lang="es-CL" smtClean="0"/>
-              <a:t>30-12-2020</a:t>
+              <a:t>31-12-2020</a:t>
             </a:fld>
             <a:endParaRPr lang="es-CL"/>
           </a:p>
@@ -2404,7 +2405,7 @@
           <a:p>
             <a:fld id="{B24185D3-528A-406D-87C2-1A608670BDF1}" type="datetimeFigureOut">
               <a:rPr lang="es-CL" smtClean="0"/>
-              <a:t>30-12-2020</a:t>
+              <a:t>31-12-2020</a:t>
             </a:fld>
             <a:endParaRPr lang="es-CL"/>
           </a:p>
@@ -2693,7 +2694,7 @@
           <a:p>
             <a:fld id="{B24185D3-528A-406D-87C2-1A608670BDF1}" type="datetimeFigureOut">
               <a:rPr lang="es-CL" smtClean="0"/>
-              <a:t>30-12-2020</a:t>
+              <a:t>31-12-2020</a:t>
             </a:fld>
             <a:endParaRPr lang="es-CL"/>
           </a:p>
@@ -2941,7 +2942,7 @@
           <a:p>
             <a:fld id="{B24185D3-528A-406D-87C2-1A608670BDF1}" type="datetimeFigureOut">
               <a:rPr lang="es-CL" smtClean="0"/>
-              <a:t>30-12-2020</a:t>
+              <a:t>31-12-2020</a:t>
             </a:fld>
             <a:endParaRPr lang="es-CL"/>
           </a:p>
@@ -8902,6 +8903,810 @@
 </p:sld>
 </file>
 
+<file path=ppt/slides/slide8.xml><?xml version="1.0" encoding="utf-8"?>
+<p:sld xmlns:a="http://schemas.openxmlformats.org/drawingml/2006/main" xmlns:r="http://schemas.openxmlformats.org/officeDocument/2006/relationships" xmlns:p="http://schemas.openxmlformats.org/presentationml/2006/main">
+  <p:cSld>
+    <p:bg>
+      <p:bgPr>
+        <a:solidFill>
+          <a:srgbClr val="556270"/>
+        </a:solidFill>
+        <a:effectLst/>
+      </p:bgPr>
+    </p:bg>
+    <p:spTree>
+      <p:nvGrpSpPr>
+        <p:cNvPr id="1" name=""/>
+        <p:cNvGrpSpPr/>
+        <p:nvPr/>
+      </p:nvGrpSpPr>
+      <p:grpSpPr>
+        <a:xfrm>
+          <a:off x="0" y="0"/>
+          <a:ext cx="0" cy="0"/>
+          <a:chOff x="0" y="0"/>
+          <a:chExt cx="0" cy="0"/>
+        </a:xfrm>
+      </p:grpSpPr>
+      <p:sp>
+        <p:nvSpPr>
+          <p:cNvPr id="10" name="Rectángulo: esquinas redondeadas 9">
+            <a:extLst>
+              <a:ext uri="{FF2B5EF4-FFF2-40B4-BE49-F238E27FC236}">
+                <a16:creationId xmlns:a16="http://schemas.microsoft.com/office/drawing/2014/main" id="{70D47368-1DF1-461A-816F-7695EAFC0D17}"/>
+              </a:ext>
+            </a:extLst>
+          </p:cNvPr>
+          <p:cNvSpPr/>
+          <p:nvPr/>
+        </p:nvSpPr>
+        <p:spPr>
+          <a:xfrm>
+            <a:off x="43617" y="1913860"/>
+            <a:ext cx="2345961" cy="716965"/>
+          </a:xfrm>
+          <a:prstGeom prst="roundRect">
+            <a:avLst/>
+          </a:prstGeom>
+          <a:solidFill>
+            <a:schemeClr val="accent6">
+              <a:lumMod val="60000"/>
+              <a:lumOff val="40000"/>
+            </a:schemeClr>
+          </a:solidFill>
+          <a:ln>
+            <a:noFill/>
+          </a:ln>
+        </p:spPr>
+        <p:style>
+          <a:lnRef idx="2">
+            <a:schemeClr val="accent1">
+              <a:shade val="50000"/>
+            </a:schemeClr>
+          </a:lnRef>
+          <a:fillRef idx="1">
+            <a:schemeClr val="accent1"/>
+          </a:fillRef>
+          <a:effectRef idx="0">
+            <a:schemeClr val="accent1"/>
+          </a:effectRef>
+          <a:fontRef idx="minor">
+            <a:schemeClr val="lt1"/>
+          </a:fontRef>
+        </p:style>
+        <p:txBody>
+          <a:bodyPr rtlCol="0" anchor="ctr"/>
+          <a:lstStyle/>
+          <a:p>
+            <a:pPr algn="ctr"/>
+            <a:r>
+              <a:rPr lang="es-CL" sz="2400" dirty="0">
+                <a:solidFill>
+                  <a:srgbClr val="C7F464"/>
+                </a:solidFill>
+              </a:rPr>
+              <a:t>Evaluar necesidades</a:t>
+            </a:r>
+          </a:p>
+        </p:txBody>
+      </p:sp>
+      <p:sp>
+        <p:nvSpPr>
+          <p:cNvPr id="11" name="Rectángulo: esquinas redondeadas 10">
+            <a:extLst>
+              <a:ext uri="{FF2B5EF4-FFF2-40B4-BE49-F238E27FC236}">
+                <a16:creationId xmlns:a16="http://schemas.microsoft.com/office/drawing/2014/main" id="{BA3549DB-2EF8-4A65-86F5-3D94B41438C0}"/>
+              </a:ext>
+            </a:extLst>
+          </p:cNvPr>
+          <p:cNvSpPr/>
+          <p:nvPr/>
+        </p:nvSpPr>
+        <p:spPr>
+          <a:xfrm>
+            <a:off x="43616" y="2797322"/>
+            <a:ext cx="2345961" cy="2019227"/>
+          </a:xfrm>
+          <a:prstGeom prst="roundRect">
+            <a:avLst/>
+          </a:prstGeom>
+          <a:solidFill>
+            <a:srgbClr val="4ECDC4"/>
+          </a:solidFill>
+          <a:ln>
+            <a:noFill/>
+          </a:ln>
+        </p:spPr>
+        <p:style>
+          <a:lnRef idx="2">
+            <a:schemeClr val="accent1">
+              <a:shade val="50000"/>
+            </a:schemeClr>
+          </a:lnRef>
+          <a:fillRef idx="1">
+            <a:schemeClr val="accent1"/>
+          </a:fillRef>
+          <a:effectRef idx="0">
+            <a:schemeClr val="accent1"/>
+          </a:effectRef>
+          <a:fontRef idx="minor">
+            <a:schemeClr val="lt1"/>
+          </a:fontRef>
+        </p:style>
+        <p:txBody>
+          <a:bodyPr rtlCol="0" anchor="ctr"/>
+          <a:lstStyle/>
+          <a:p>
+            <a:pPr marL="171450" lvl="0" indent="-171450">
+              <a:buFont typeface="Arial" panose="020B0604020202020204" pitchFamily="34" charset="0"/>
+              <a:buChar char="•"/>
+            </a:pPr>
+            <a:r>
+              <a:rPr lang="es-MX" kern="1200" dirty="0">
+                <a:solidFill>
+                  <a:srgbClr val="C7F464"/>
+                </a:solidFill>
+                <a:latin typeface="Calibri" panose="020F0502020204030204"/>
+                <a:ea typeface="+mn-ea"/>
+                <a:cs typeface="+mn-cs"/>
+              </a:rPr>
+              <a:t>De la Organización</a:t>
+            </a:r>
+          </a:p>
+          <a:p>
+            <a:pPr marL="171450" lvl="0" indent="-171450">
+              <a:buFont typeface="Arial" panose="020B0604020202020204" pitchFamily="34" charset="0"/>
+              <a:buChar char="•"/>
+            </a:pPr>
+            <a:r>
+              <a:rPr lang="es-MX" dirty="0">
+                <a:solidFill>
+                  <a:srgbClr val="C7F464"/>
+                </a:solidFill>
+                <a:latin typeface="Calibri" panose="020F0502020204030204"/>
+              </a:rPr>
+              <a:t>Tareas</a:t>
+            </a:r>
+          </a:p>
+          <a:p>
+            <a:pPr marL="171450" lvl="0" indent="-171450">
+              <a:buFont typeface="Arial" panose="020B0604020202020204" pitchFamily="34" charset="0"/>
+              <a:buChar char="•"/>
+            </a:pPr>
+            <a:r>
+              <a:rPr lang="es-MX" kern="1200" dirty="0">
+                <a:solidFill>
+                  <a:srgbClr val="C7F464"/>
+                </a:solidFill>
+                <a:latin typeface="Calibri" panose="020F0502020204030204"/>
+                <a:ea typeface="+mn-ea"/>
+                <a:cs typeface="+mn-cs"/>
+              </a:rPr>
+              <a:t>Personas</a:t>
+            </a:r>
+          </a:p>
+        </p:txBody>
+      </p:sp>
+      <p:sp>
+        <p:nvSpPr>
+          <p:cNvPr id="16" name="Rectángulo: esquinas redondeadas 15">
+            <a:extLst>
+              <a:ext uri="{FF2B5EF4-FFF2-40B4-BE49-F238E27FC236}">
+                <a16:creationId xmlns:a16="http://schemas.microsoft.com/office/drawing/2014/main" id="{4CB84DEE-4E18-45F4-8C58-66F90BD94767}"/>
+              </a:ext>
+            </a:extLst>
+          </p:cNvPr>
+          <p:cNvSpPr/>
+          <p:nvPr/>
+        </p:nvSpPr>
+        <p:spPr>
+          <a:xfrm>
+            <a:off x="2507140" y="2797322"/>
+            <a:ext cx="2345429" cy="2019227"/>
+          </a:xfrm>
+          <a:prstGeom prst="roundRect">
+            <a:avLst/>
+          </a:prstGeom>
+          <a:solidFill>
+            <a:srgbClr val="4ECDC4"/>
+          </a:solidFill>
+          <a:ln>
+            <a:noFill/>
+          </a:ln>
+        </p:spPr>
+        <p:style>
+          <a:lnRef idx="2">
+            <a:schemeClr val="accent1">
+              <a:shade val="50000"/>
+            </a:schemeClr>
+          </a:lnRef>
+          <a:fillRef idx="1">
+            <a:schemeClr val="accent1"/>
+          </a:fillRef>
+          <a:effectRef idx="0">
+            <a:schemeClr val="accent1"/>
+          </a:effectRef>
+          <a:fontRef idx="minor">
+            <a:schemeClr val="lt1"/>
+          </a:fontRef>
+        </p:style>
+        <p:txBody>
+          <a:bodyPr rtlCol="0" anchor="ctr"/>
+          <a:lstStyle/>
+          <a:p>
+            <a:pPr marL="228600" lvl="0" indent="-228600" defTabSz="914400" rtl="0" eaLnBrk="1" latinLnBrk="0" hangingPunct="1">
+              <a:lnSpc>
+                <a:spcPct val="90000"/>
+              </a:lnSpc>
+              <a:spcBef>
+                <a:spcPct val="0"/>
+              </a:spcBef>
+              <a:spcAft>
+                <a:spcPct val="15000"/>
+              </a:spcAft>
+              <a:buChar char="•"/>
+            </a:pPr>
+            <a:r>
+              <a:rPr lang="es-MX" dirty="0">
+                <a:solidFill>
+                  <a:srgbClr val="C7F464"/>
+                </a:solidFill>
+              </a:rPr>
+              <a:t>Objetivos instruccionales</a:t>
+            </a:r>
+          </a:p>
+          <a:p>
+            <a:pPr marL="228600" lvl="0" indent="-228600" defTabSz="914400" rtl="0" eaLnBrk="1" latinLnBrk="0" hangingPunct="1">
+              <a:lnSpc>
+                <a:spcPct val="90000"/>
+              </a:lnSpc>
+              <a:spcBef>
+                <a:spcPct val="0"/>
+              </a:spcBef>
+              <a:spcAft>
+                <a:spcPct val="15000"/>
+              </a:spcAft>
+              <a:buChar char="•"/>
+            </a:pPr>
+            <a:r>
+              <a:rPr lang="es-MX" kern="1200" dirty="0">
+                <a:solidFill>
+                  <a:srgbClr val="C7F464"/>
+                </a:solidFill>
+                <a:latin typeface="+mn-lt"/>
+                <a:ea typeface="+mn-ea"/>
+                <a:cs typeface="+mn-cs"/>
+              </a:rPr>
+              <a:t>Capacitación</a:t>
+            </a:r>
+          </a:p>
+          <a:p>
+            <a:pPr marL="228600" lvl="0" indent="-228600" defTabSz="914400" rtl="0" eaLnBrk="1" latinLnBrk="0" hangingPunct="1">
+              <a:lnSpc>
+                <a:spcPct val="90000"/>
+              </a:lnSpc>
+              <a:spcBef>
+                <a:spcPct val="0"/>
+              </a:spcBef>
+              <a:spcAft>
+                <a:spcPct val="15000"/>
+              </a:spcAft>
+              <a:buChar char="•"/>
+            </a:pPr>
+            <a:r>
+              <a:rPr lang="es-MX" dirty="0">
+                <a:solidFill>
+                  <a:srgbClr val="C7F464"/>
+                </a:solidFill>
+              </a:rPr>
+              <a:t>Principios de aprendizaje</a:t>
+            </a:r>
+            <a:endParaRPr lang="es-MX" kern="1200" dirty="0">
+              <a:solidFill>
+                <a:srgbClr val="C7F464"/>
+              </a:solidFill>
+              <a:latin typeface="+mn-lt"/>
+              <a:ea typeface="+mn-ea"/>
+              <a:cs typeface="+mn-cs"/>
+            </a:endParaRPr>
+          </a:p>
+        </p:txBody>
+      </p:sp>
+      <p:sp>
+        <p:nvSpPr>
+          <p:cNvPr id="17" name="Rectángulo: esquinas redondeadas 16">
+            <a:extLst>
+              <a:ext uri="{FF2B5EF4-FFF2-40B4-BE49-F238E27FC236}">
+                <a16:creationId xmlns:a16="http://schemas.microsoft.com/office/drawing/2014/main" id="{52A9256D-F8E1-488A-AB21-F0387ED22384}"/>
+              </a:ext>
+            </a:extLst>
+          </p:cNvPr>
+          <p:cNvSpPr/>
+          <p:nvPr/>
+        </p:nvSpPr>
+        <p:spPr>
+          <a:xfrm>
+            <a:off x="2506741" y="1913860"/>
+            <a:ext cx="2345961" cy="716965"/>
+          </a:xfrm>
+          <a:prstGeom prst="roundRect">
+            <a:avLst/>
+          </a:prstGeom>
+          <a:solidFill>
+            <a:schemeClr val="accent6">
+              <a:lumMod val="60000"/>
+              <a:lumOff val="40000"/>
+            </a:schemeClr>
+          </a:solidFill>
+          <a:ln>
+            <a:noFill/>
+          </a:ln>
+        </p:spPr>
+        <p:style>
+          <a:lnRef idx="2">
+            <a:schemeClr val="accent1">
+              <a:shade val="50000"/>
+            </a:schemeClr>
+          </a:lnRef>
+          <a:fillRef idx="1">
+            <a:schemeClr val="accent1"/>
+          </a:fillRef>
+          <a:effectRef idx="0">
+            <a:schemeClr val="accent1"/>
+          </a:effectRef>
+          <a:fontRef idx="minor">
+            <a:schemeClr val="lt1"/>
+          </a:fontRef>
+        </p:style>
+        <p:txBody>
+          <a:bodyPr rtlCol="0" anchor="ctr"/>
+          <a:lstStyle/>
+          <a:p>
+            <a:pPr algn="ctr"/>
+            <a:r>
+              <a:rPr lang="es-CL" sz="2400" dirty="0">
+                <a:solidFill>
+                  <a:srgbClr val="C7F464"/>
+                </a:solidFill>
+              </a:rPr>
+              <a:t>Diseño</a:t>
+            </a:r>
+          </a:p>
+        </p:txBody>
+      </p:sp>
+      <p:sp>
+        <p:nvSpPr>
+          <p:cNvPr id="6" name="Rectángulo: esquinas redondeadas 5">
+            <a:extLst>
+              <a:ext uri="{FF2B5EF4-FFF2-40B4-BE49-F238E27FC236}">
+                <a16:creationId xmlns:a16="http://schemas.microsoft.com/office/drawing/2014/main" id="{547CE2DD-C0A1-48E2-ABDF-4C047098ED8C}"/>
+              </a:ext>
+            </a:extLst>
+          </p:cNvPr>
+          <p:cNvSpPr/>
+          <p:nvPr/>
+        </p:nvSpPr>
+        <p:spPr>
+          <a:xfrm>
+            <a:off x="4970132" y="2797322"/>
+            <a:ext cx="2345429" cy="2019227"/>
+          </a:xfrm>
+          <a:prstGeom prst="roundRect">
+            <a:avLst/>
+          </a:prstGeom>
+          <a:solidFill>
+            <a:srgbClr val="4ECDC4"/>
+          </a:solidFill>
+          <a:ln>
+            <a:noFill/>
+          </a:ln>
+        </p:spPr>
+        <p:style>
+          <a:lnRef idx="2">
+            <a:schemeClr val="accent1">
+              <a:shade val="50000"/>
+            </a:schemeClr>
+          </a:lnRef>
+          <a:fillRef idx="1">
+            <a:schemeClr val="accent1"/>
+          </a:fillRef>
+          <a:effectRef idx="0">
+            <a:schemeClr val="accent1"/>
+          </a:effectRef>
+          <a:fontRef idx="minor">
+            <a:schemeClr val="lt1"/>
+          </a:fontRef>
+        </p:style>
+        <p:txBody>
+          <a:bodyPr rtlCol="0" anchor="ctr"/>
+          <a:lstStyle/>
+          <a:p>
+            <a:pPr marL="228600" lvl="0" indent="-228600" defTabSz="914400" rtl="0" eaLnBrk="1" latinLnBrk="0" hangingPunct="1">
+              <a:lnSpc>
+                <a:spcPct val="90000"/>
+              </a:lnSpc>
+              <a:spcBef>
+                <a:spcPct val="0"/>
+              </a:spcBef>
+              <a:spcAft>
+                <a:spcPct val="15000"/>
+              </a:spcAft>
+              <a:buChar char="•"/>
+            </a:pPr>
+            <a:r>
+              <a:rPr lang="es-MX" dirty="0">
+                <a:solidFill>
+                  <a:srgbClr val="C7F464"/>
+                </a:solidFill>
+              </a:rPr>
+              <a:t>Métodos en el puesto</a:t>
+            </a:r>
+          </a:p>
+          <a:p>
+            <a:pPr marL="228600" lvl="0" indent="-228600" defTabSz="914400" rtl="0" eaLnBrk="1" latinLnBrk="0" hangingPunct="1">
+              <a:lnSpc>
+                <a:spcPct val="90000"/>
+              </a:lnSpc>
+              <a:spcBef>
+                <a:spcPct val="0"/>
+              </a:spcBef>
+              <a:spcAft>
+                <a:spcPct val="15000"/>
+              </a:spcAft>
+              <a:buChar char="•"/>
+            </a:pPr>
+            <a:r>
+              <a:rPr lang="es-MX" dirty="0">
+                <a:solidFill>
+                  <a:srgbClr val="C7F464"/>
+                </a:solidFill>
+              </a:rPr>
+              <a:t>Fuera del puesto</a:t>
+            </a:r>
+          </a:p>
+          <a:p>
+            <a:pPr marL="228600" lvl="0" indent="-228600" defTabSz="914400" rtl="0" eaLnBrk="1" latinLnBrk="0" hangingPunct="1">
+              <a:lnSpc>
+                <a:spcPct val="90000"/>
+              </a:lnSpc>
+              <a:spcBef>
+                <a:spcPct val="0"/>
+              </a:spcBef>
+              <a:spcAft>
+                <a:spcPct val="15000"/>
+              </a:spcAft>
+              <a:buChar char="•"/>
+            </a:pPr>
+            <a:r>
+              <a:rPr lang="es-MX" dirty="0">
+                <a:solidFill>
+                  <a:srgbClr val="C7F464"/>
+                </a:solidFill>
+              </a:rPr>
+              <a:t>Desarrollo gerencial</a:t>
+            </a:r>
+          </a:p>
+        </p:txBody>
+      </p:sp>
+      <p:sp>
+        <p:nvSpPr>
+          <p:cNvPr id="7" name="Rectángulo: esquinas redondeadas 6">
+            <a:extLst>
+              <a:ext uri="{FF2B5EF4-FFF2-40B4-BE49-F238E27FC236}">
+                <a16:creationId xmlns:a16="http://schemas.microsoft.com/office/drawing/2014/main" id="{F461F02D-28F0-4492-89BA-41721DCD8D4A}"/>
+              </a:ext>
+            </a:extLst>
+          </p:cNvPr>
+          <p:cNvSpPr/>
+          <p:nvPr/>
+        </p:nvSpPr>
+        <p:spPr>
+          <a:xfrm>
+            <a:off x="4969865" y="1913860"/>
+            <a:ext cx="2345961" cy="716965"/>
+          </a:xfrm>
+          <a:prstGeom prst="roundRect">
+            <a:avLst/>
+          </a:prstGeom>
+          <a:solidFill>
+            <a:schemeClr val="accent6">
+              <a:lumMod val="60000"/>
+              <a:lumOff val="40000"/>
+            </a:schemeClr>
+          </a:solidFill>
+          <a:ln>
+            <a:noFill/>
+          </a:ln>
+        </p:spPr>
+        <p:style>
+          <a:lnRef idx="2">
+            <a:schemeClr val="accent1">
+              <a:shade val="50000"/>
+            </a:schemeClr>
+          </a:lnRef>
+          <a:fillRef idx="1">
+            <a:schemeClr val="accent1"/>
+          </a:fillRef>
+          <a:effectRef idx="0">
+            <a:schemeClr val="accent1"/>
+          </a:effectRef>
+          <a:fontRef idx="minor">
+            <a:schemeClr val="lt1"/>
+          </a:fontRef>
+        </p:style>
+        <p:txBody>
+          <a:bodyPr rtlCol="0" anchor="ctr"/>
+          <a:lstStyle/>
+          <a:p>
+            <a:pPr algn="ctr"/>
+            <a:r>
+              <a:rPr lang="es-CL" sz="2400" dirty="0">
+                <a:solidFill>
+                  <a:srgbClr val="C7F464"/>
+                </a:solidFill>
+              </a:rPr>
+              <a:t>Implementación</a:t>
+            </a:r>
+          </a:p>
+        </p:txBody>
+      </p:sp>
+      <p:sp>
+        <p:nvSpPr>
+          <p:cNvPr id="8" name="Rectángulo: esquinas redondeadas 7">
+            <a:extLst>
+              <a:ext uri="{FF2B5EF4-FFF2-40B4-BE49-F238E27FC236}">
+                <a16:creationId xmlns:a16="http://schemas.microsoft.com/office/drawing/2014/main" id="{A4767D70-F872-4AD5-A7E5-114F9A21AAC8}"/>
+              </a:ext>
+            </a:extLst>
+          </p:cNvPr>
+          <p:cNvSpPr/>
+          <p:nvPr/>
+        </p:nvSpPr>
+        <p:spPr>
+          <a:xfrm>
+            <a:off x="7433125" y="2797322"/>
+            <a:ext cx="2345429" cy="2019227"/>
+          </a:xfrm>
+          <a:prstGeom prst="roundRect">
+            <a:avLst/>
+          </a:prstGeom>
+          <a:solidFill>
+            <a:srgbClr val="4ECDC4"/>
+          </a:solidFill>
+          <a:ln>
+            <a:noFill/>
+          </a:ln>
+        </p:spPr>
+        <p:style>
+          <a:lnRef idx="2">
+            <a:schemeClr val="accent1">
+              <a:shade val="50000"/>
+            </a:schemeClr>
+          </a:lnRef>
+          <a:fillRef idx="1">
+            <a:schemeClr val="accent1"/>
+          </a:fillRef>
+          <a:effectRef idx="0">
+            <a:schemeClr val="accent1"/>
+          </a:effectRef>
+          <a:fontRef idx="minor">
+            <a:schemeClr val="lt1"/>
+          </a:fontRef>
+        </p:style>
+        <p:txBody>
+          <a:bodyPr rtlCol="0" anchor="ctr"/>
+          <a:lstStyle/>
+          <a:p>
+            <a:pPr marL="228600" lvl="0" indent="-228600" defTabSz="914400" rtl="0" eaLnBrk="1" latinLnBrk="0" hangingPunct="1">
+              <a:lnSpc>
+                <a:spcPct val="90000"/>
+              </a:lnSpc>
+              <a:spcBef>
+                <a:spcPct val="0"/>
+              </a:spcBef>
+              <a:spcAft>
+                <a:spcPct val="15000"/>
+              </a:spcAft>
+              <a:buChar char="•"/>
+            </a:pPr>
+            <a:r>
+              <a:rPr lang="es-MX" dirty="0">
+                <a:solidFill>
+                  <a:srgbClr val="C7F464"/>
+                </a:solidFill>
+              </a:rPr>
+              <a:t>Reacciones</a:t>
+            </a:r>
+          </a:p>
+          <a:p>
+            <a:pPr marL="228600" lvl="0" indent="-228600" defTabSz="914400" rtl="0" eaLnBrk="1" latinLnBrk="0" hangingPunct="1">
+              <a:lnSpc>
+                <a:spcPct val="90000"/>
+              </a:lnSpc>
+              <a:spcBef>
+                <a:spcPct val="0"/>
+              </a:spcBef>
+              <a:spcAft>
+                <a:spcPct val="15000"/>
+              </a:spcAft>
+              <a:buChar char="•"/>
+            </a:pPr>
+            <a:r>
+              <a:rPr lang="es-MX" dirty="0">
+                <a:solidFill>
+                  <a:srgbClr val="C7F464"/>
+                </a:solidFill>
+              </a:rPr>
+              <a:t>Aprendizaje</a:t>
+            </a:r>
+          </a:p>
+          <a:p>
+            <a:pPr marL="228600" lvl="0" indent="-228600" defTabSz="914400" rtl="0" eaLnBrk="1" latinLnBrk="0" hangingPunct="1">
+              <a:lnSpc>
+                <a:spcPct val="90000"/>
+              </a:lnSpc>
+              <a:spcBef>
+                <a:spcPct val="0"/>
+              </a:spcBef>
+              <a:spcAft>
+                <a:spcPct val="15000"/>
+              </a:spcAft>
+              <a:buChar char="•"/>
+            </a:pPr>
+            <a:r>
+              <a:rPr lang="es-MX" dirty="0">
+                <a:solidFill>
+                  <a:srgbClr val="C7F464"/>
+                </a:solidFill>
+              </a:rPr>
+              <a:t>Comportamiento</a:t>
+            </a:r>
+          </a:p>
+          <a:p>
+            <a:pPr marL="228600" lvl="0" indent="-228600" defTabSz="914400" rtl="0" eaLnBrk="1" latinLnBrk="0" hangingPunct="1">
+              <a:lnSpc>
+                <a:spcPct val="90000"/>
+              </a:lnSpc>
+              <a:spcBef>
+                <a:spcPct val="0"/>
+              </a:spcBef>
+              <a:spcAft>
+                <a:spcPct val="15000"/>
+              </a:spcAft>
+              <a:buChar char="•"/>
+            </a:pPr>
+            <a:r>
+              <a:rPr lang="es-MX" dirty="0">
+                <a:solidFill>
+                  <a:srgbClr val="C7F464"/>
+                </a:solidFill>
+              </a:rPr>
+              <a:t>Resultados</a:t>
+            </a:r>
+          </a:p>
+        </p:txBody>
+      </p:sp>
+      <p:sp>
+        <p:nvSpPr>
+          <p:cNvPr id="9" name="Rectángulo: esquinas redondeadas 8">
+            <a:extLst>
+              <a:ext uri="{FF2B5EF4-FFF2-40B4-BE49-F238E27FC236}">
+                <a16:creationId xmlns:a16="http://schemas.microsoft.com/office/drawing/2014/main" id="{60F1681A-6DF5-45F6-98FD-16FD236ED083}"/>
+              </a:ext>
+            </a:extLst>
+          </p:cNvPr>
+          <p:cNvSpPr/>
+          <p:nvPr/>
+        </p:nvSpPr>
+        <p:spPr>
+          <a:xfrm>
+            <a:off x="7432990" y="1913860"/>
+            <a:ext cx="2345961" cy="716965"/>
+          </a:xfrm>
+          <a:prstGeom prst="roundRect">
+            <a:avLst/>
+          </a:prstGeom>
+          <a:solidFill>
+            <a:schemeClr val="accent6">
+              <a:lumMod val="60000"/>
+              <a:lumOff val="40000"/>
+            </a:schemeClr>
+          </a:solidFill>
+          <a:ln>
+            <a:noFill/>
+          </a:ln>
+        </p:spPr>
+        <p:style>
+          <a:lnRef idx="2">
+            <a:schemeClr val="accent1">
+              <a:shade val="50000"/>
+            </a:schemeClr>
+          </a:lnRef>
+          <a:fillRef idx="1">
+            <a:schemeClr val="accent1"/>
+          </a:fillRef>
+          <a:effectRef idx="0">
+            <a:schemeClr val="accent1"/>
+          </a:effectRef>
+          <a:fontRef idx="minor">
+            <a:schemeClr val="lt1"/>
+          </a:fontRef>
+        </p:style>
+        <p:txBody>
+          <a:bodyPr rtlCol="0" anchor="ctr"/>
+          <a:lstStyle/>
+          <a:p>
+            <a:pPr algn="ctr"/>
+            <a:r>
+              <a:rPr lang="es-CL" sz="2400" dirty="0">
+                <a:solidFill>
+                  <a:srgbClr val="C7F464"/>
+                </a:solidFill>
+              </a:rPr>
+              <a:t>Evaluación</a:t>
+            </a:r>
+          </a:p>
+        </p:txBody>
+      </p:sp>
+      <p:cxnSp>
+        <p:nvCxnSpPr>
+          <p:cNvPr id="5" name="Conector: curvado 4">
+            <a:extLst>
+              <a:ext uri="{FF2B5EF4-FFF2-40B4-BE49-F238E27FC236}">
+                <a16:creationId xmlns:a16="http://schemas.microsoft.com/office/drawing/2014/main" id="{3C7F1C51-773F-4FF7-9A55-2D22B703CA77}"/>
+              </a:ext>
+            </a:extLst>
+          </p:cNvPr>
+          <p:cNvCxnSpPr>
+            <a:cxnSpLocks/>
+          </p:cNvCxnSpPr>
+          <p:nvPr/>
+        </p:nvCxnSpPr>
+        <p:spPr>
+          <a:xfrm rot="16200000" flipV="1">
+            <a:off x="4963515" y="1282009"/>
+            <a:ext cx="12700" cy="7389373"/>
+          </a:xfrm>
+          <a:prstGeom prst="curvedConnector3">
+            <a:avLst>
+              <a:gd name="adj1" fmla="val -5651165"/>
+            </a:avLst>
+          </a:prstGeom>
+          <a:ln w="76200">
+            <a:solidFill>
+              <a:srgbClr val="C7F464"/>
+            </a:solidFill>
+            <a:tailEnd type="triangle"/>
+          </a:ln>
+        </p:spPr>
+        <p:style>
+          <a:lnRef idx="1">
+            <a:schemeClr val="accent1"/>
+          </a:lnRef>
+          <a:fillRef idx="0">
+            <a:schemeClr val="accent1"/>
+          </a:fillRef>
+          <a:effectRef idx="0">
+            <a:schemeClr val="accent1"/>
+          </a:effectRef>
+          <a:fontRef idx="minor">
+            <a:schemeClr val="tx1"/>
+          </a:fontRef>
+        </p:style>
+      </p:cxnSp>
+    </p:spTree>
+    <p:extLst>
+      <p:ext uri="{BB962C8B-B14F-4D97-AF65-F5344CB8AC3E}">
+        <p14:creationId xmlns:p14="http://schemas.microsoft.com/office/powerpoint/2010/main" val="3485857629"/>
+      </p:ext>
+    </p:extLst>
+  </p:cSld>
+  <p:clrMapOvr>
+    <a:masterClrMapping/>
+  </p:clrMapOvr>
+</p:sld>
+</file>
+
 <file path=ppt/theme/theme1.xml><?xml version="1.0" encoding="utf-8"?>
 <a:theme xmlns:a="http://schemas.openxmlformats.org/drawingml/2006/main" name="Tema de Office">
   <a:themeElements>

--- a/media/Resumen.pptx
+++ b/media/Resumen.pptx
@@ -13,6 +13,7 @@
     <p:sldId id="261" r:id="rId7"/>
     <p:sldId id="262" r:id="rId8"/>
     <p:sldId id="263" r:id="rId9"/>
+    <p:sldId id="264" r:id="rId10"/>
   </p:sldIdLst>
   <p:sldSz cx="12192000" cy="6858000"/>
   <p:notesSz cx="6858000" cy="9144000"/>
@@ -268,7 +269,7 @@
           <a:p>
             <a:fld id="{B24185D3-528A-406D-87C2-1A608670BDF1}" type="datetimeFigureOut">
               <a:rPr lang="es-CL" smtClean="0"/>
-              <a:t>31-12-2020</a:t>
+              <a:t>01-01-2021</a:t>
             </a:fld>
             <a:endParaRPr lang="es-CL"/>
           </a:p>
@@ -468,7 +469,7 @@
           <a:p>
             <a:fld id="{B24185D3-528A-406D-87C2-1A608670BDF1}" type="datetimeFigureOut">
               <a:rPr lang="es-CL" smtClean="0"/>
-              <a:t>31-12-2020</a:t>
+              <a:t>01-01-2021</a:t>
             </a:fld>
             <a:endParaRPr lang="es-CL"/>
           </a:p>
@@ -678,7 +679,7 @@
           <a:p>
             <a:fld id="{B24185D3-528A-406D-87C2-1A608670BDF1}" type="datetimeFigureOut">
               <a:rPr lang="es-CL" smtClean="0"/>
-              <a:t>31-12-2020</a:t>
+              <a:t>01-01-2021</a:t>
             </a:fld>
             <a:endParaRPr lang="es-CL"/>
           </a:p>
@@ -878,7 +879,7 @@
           <a:p>
             <a:fld id="{B24185D3-528A-406D-87C2-1A608670BDF1}" type="datetimeFigureOut">
               <a:rPr lang="es-CL" smtClean="0"/>
-              <a:t>31-12-2020</a:t>
+              <a:t>01-01-2021</a:t>
             </a:fld>
             <a:endParaRPr lang="es-CL"/>
           </a:p>
@@ -1154,7 +1155,7 @@
           <a:p>
             <a:fld id="{B24185D3-528A-406D-87C2-1A608670BDF1}" type="datetimeFigureOut">
               <a:rPr lang="es-CL" smtClean="0"/>
-              <a:t>31-12-2020</a:t>
+              <a:t>01-01-2021</a:t>
             </a:fld>
             <a:endParaRPr lang="es-CL"/>
           </a:p>
@@ -1422,7 +1423,7 @@
           <a:p>
             <a:fld id="{B24185D3-528A-406D-87C2-1A608670BDF1}" type="datetimeFigureOut">
               <a:rPr lang="es-CL" smtClean="0"/>
-              <a:t>31-12-2020</a:t>
+              <a:t>01-01-2021</a:t>
             </a:fld>
             <a:endParaRPr lang="es-CL"/>
           </a:p>
@@ -1837,7 +1838,7 @@
           <a:p>
             <a:fld id="{B24185D3-528A-406D-87C2-1A608670BDF1}" type="datetimeFigureOut">
               <a:rPr lang="es-CL" smtClean="0"/>
-              <a:t>31-12-2020</a:t>
+              <a:t>01-01-2021</a:t>
             </a:fld>
             <a:endParaRPr lang="es-CL"/>
           </a:p>
@@ -1979,7 +1980,7 @@
           <a:p>
             <a:fld id="{B24185D3-528A-406D-87C2-1A608670BDF1}" type="datetimeFigureOut">
               <a:rPr lang="es-CL" smtClean="0"/>
-              <a:t>31-12-2020</a:t>
+              <a:t>01-01-2021</a:t>
             </a:fld>
             <a:endParaRPr lang="es-CL"/>
           </a:p>
@@ -2092,7 +2093,7 @@
           <a:p>
             <a:fld id="{B24185D3-528A-406D-87C2-1A608670BDF1}" type="datetimeFigureOut">
               <a:rPr lang="es-CL" smtClean="0"/>
-              <a:t>31-12-2020</a:t>
+              <a:t>01-01-2021</a:t>
             </a:fld>
             <a:endParaRPr lang="es-CL"/>
           </a:p>
@@ -2405,7 +2406,7 @@
           <a:p>
             <a:fld id="{B24185D3-528A-406D-87C2-1A608670BDF1}" type="datetimeFigureOut">
               <a:rPr lang="es-CL" smtClean="0"/>
-              <a:t>31-12-2020</a:t>
+              <a:t>01-01-2021</a:t>
             </a:fld>
             <a:endParaRPr lang="es-CL"/>
           </a:p>
@@ -2694,7 +2695,7 @@
           <a:p>
             <a:fld id="{B24185D3-528A-406D-87C2-1A608670BDF1}" type="datetimeFigureOut">
               <a:rPr lang="es-CL" smtClean="0"/>
-              <a:t>31-12-2020</a:t>
+              <a:t>01-01-2021</a:t>
             </a:fld>
             <a:endParaRPr lang="es-CL"/>
           </a:p>
@@ -2942,7 +2943,7 @@
           <a:p>
             <a:fld id="{B24185D3-528A-406D-87C2-1A608670BDF1}" type="datetimeFigureOut">
               <a:rPr lang="es-CL" smtClean="0"/>
-              <a:t>31-12-2020</a:t>
+              <a:t>01-01-2021</a:t>
             </a:fld>
             <a:endParaRPr lang="es-CL"/>
           </a:p>
@@ -9707,6 +9708,783 @@
 </p:sld>
 </file>
 
+<file path=ppt/slides/slide9.xml><?xml version="1.0" encoding="utf-8"?>
+<p:sld xmlns:a="http://schemas.openxmlformats.org/drawingml/2006/main" xmlns:r="http://schemas.openxmlformats.org/officeDocument/2006/relationships" xmlns:p="http://schemas.openxmlformats.org/presentationml/2006/main">
+  <p:cSld>
+    <p:bg>
+      <p:bgPr>
+        <a:solidFill>
+          <a:srgbClr val="556270"/>
+        </a:solidFill>
+        <a:effectLst/>
+      </p:bgPr>
+    </p:bg>
+    <p:spTree>
+      <p:nvGrpSpPr>
+        <p:cNvPr id="1" name=""/>
+        <p:cNvGrpSpPr/>
+        <p:nvPr/>
+      </p:nvGrpSpPr>
+      <p:grpSpPr>
+        <a:xfrm>
+          <a:off x="0" y="0"/>
+          <a:ext cx="0" cy="0"/>
+          <a:chOff x="0" y="0"/>
+          <a:chExt cx="0" cy="0"/>
+        </a:xfrm>
+      </p:grpSpPr>
+      <p:sp>
+        <p:nvSpPr>
+          <p:cNvPr id="10" name="Rectángulo: esquinas redondeadas 9">
+            <a:extLst>
+              <a:ext uri="{FF2B5EF4-FFF2-40B4-BE49-F238E27FC236}">
+                <a16:creationId xmlns:a16="http://schemas.microsoft.com/office/drawing/2014/main" id="{70D47368-1DF1-461A-816F-7695EAFC0D17}"/>
+              </a:ext>
+            </a:extLst>
+          </p:cNvPr>
+          <p:cNvSpPr/>
+          <p:nvPr/>
+        </p:nvSpPr>
+        <p:spPr>
+          <a:xfrm>
+            <a:off x="43617" y="1488558"/>
+            <a:ext cx="2345961" cy="1142267"/>
+          </a:xfrm>
+          <a:prstGeom prst="roundRect">
+            <a:avLst/>
+          </a:prstGeom>
+          <a:solidFill>
+            <a:schemeClr val="accent6">
+              <a:lumMod val="60000"/>
+              <a:lumOff val="40000"/>
+            </a:schemeClr>
+          </a:solidFill>
+          <a:ln>
+            <a:noFill/>
+          </a:ln>
+        </p:spPr>
+        <p:style>
+          <a:lnRef idx="2">
+            <a:schemeClr val="accent1">
+              <a:shade val="50000"/>
+            </a:schemeClr>
+          </a:lnRef>
+          <a:fillRef idx="1">
+            <a:schemeClr val="accent1"/>
+          </a:fillRef>
+          <a:effectRef idx="0">
+            <a:schemeClr val="accent1"/>
+          </a:effectRef>
+          <a:fontRef idx="minor">
+            <a:schemeClr val="lt1"/>
+          </a:fontRef>
+        </p:style>
+        <p:txBody>
+          <a:bodyPr rtlCol="0" anchor="ctr"/>
+          <a:lstStyle/>
+          <a:p>
+            <a:pPr algn="ctr"/>
+            <a:r>
+              <a:rPr lang="es-CL" sz="2400" dirty="0">
+                <a:solidFill>
+                  <a:srgbClr val="C7F464"/>
+                </a:solidFill>
+              </a:rPr>
+              <a:t>Programa de evaluación del desempeño</a:t>
+            </a:r>
+          </a:p>
+        </p:txBody>
+      </p:sp>
+      <p:sp>
+        <p:nvSpPr>
+          <p:cNvPr id="11" name="Rectángulo: esquinas redondeadas 10">
+            <a:extLst>
+              <a:ext uri="{FF2B5EF4-FFF2-40B4-BE49-F238E27FC236}">
+                <a16:creationId xmlns:a16="http://schemas.microsoft.com/office/drawing/2014/main" id="{BA3549DB-2EF8-4A65-86F5-3D94B41438C0}"/>
+              </a:ext>
+            </a:extLst>
+          </p:cNvPr>
+          <p:cNvSpPr/>
+          <p:nvPr/>
+        </p:nvSpPr>
+        <p:spPr>
+          <a:xfrm>
+            <a:off x="43616" y="2681633"/>
+            <a:ext cx="2345961" cy="2263307"/>
+          </a:xfrm>
+          <a:prstGeom prst="roundRect">
+            <a:avLst/>
+          </a:prstGeom>
+          <a:solidFill>
+            <a:srgbClr val="4ECDC4"/>
+          </a:solidFill>
+          <a:ln>
+            <a:noFill/>
+          </a:ln>
+        </p:spPr>
+        <p:style>
+          <a:lnRef idx="2">
+            <a:schemeClr val="accent1">
+              <a:shade val="50000"/>
+            </a:schemeClr>
+          </a:lnRef>
+          <a:fillRef idx="1">
+            <a:schemeClr val="accent1"/>
+          </a:fillRef>
+          <a:effectRef idx="0">
+            <a:schemeClr val="accent1"/>
+          </a:effectRef>
+          <a:fontRef idx="minor">
+            <a:schemeClr val="lt1"/>
+          </a:fontRef>
+        </p:style>
+        <p:txBody>
+          <a:bodyPr rtlCol="0" anchor="ctr"/>
+          <a:lstStyle/>
+          <a:p>
+            <a:pPr marL="171450" lvl="0" indent="-171450">
+              <a:buFont typeface="Arial" panose="020B0604020202020204" pitchFamily="34" charset="0"/>
+              <a:buChar char="•"/>
+            </a:pPr>
+            <a:r>
+              <a:rPr lang="es-MX" kern="1200" dirty="0">
+                <a:solidFill>
+                  <a:srgbClr val="C7F464"/>
+                </a:solidFill>
+                <a:latin typeface="Calibri" panose="020F0502020204030204"/>
+                <a:ea typeface="+mn-ea"/>
+                <a:cs typeface="+mn-cs"/>
+              </a:rPr>
+              <a:t>Propósito de la evaluación</a:t>
+            </a:r>
+          </a:p>
+          <a:p>
+            <a:pPr marL="171450" lvl="0" indent="-171450">
+              <a:buFont typeface="Arial" panose="020B0604020202020204" pitchFamily="34" charset="0"/>
+              <a:buChar char="•"/>
+            </a:pPr>
+            <a:r>
+              <a:rPr lang="es-MX" dirty="0">
+                <a:solidFill>
+                  <a:srgbClr val="C7F464"/>
+                </a:solidFill>
+                <a:latin typeface="Calibri" panose="020F0502020204030204"/>
+              </a:rPr>
+              <a:t>Razones del fracaso</a:t>
+            </a:r>
+            <a:endParaRPr lang="es-MX" kern="1200" dirty="0">
+              <a:solidFill>
+                <a:srgbClr val="C7F464"/>
+              </a:solidFill>
+              <a:latin typeface="Calibri" panose="020F0502020204030204"/>
+              <a:ea typeface="+mn-ea"/>
+              <a:cs typeface="+mn-cs"/>
+            </a:endParaRPr>
+          </a:p>
+        </p:txBody>
+      </p:sp>
+      <p:sp>
+        <p:nvSpPr>
+          <p:cNvPr id="16" name="Rectángulo: esquinas redondeadas 15">
+            <a:extLst>
+              <a:ext uri="{FF2B5EF4-FFF2-40B4-BE49-F238E27FC236}">
+                <a16:creationId xmlns:a16="http://schemas.microsoft.com/office/drawing/2014/main" id="{4CB84DEE-4E18-45F4-8C58-66F90BD94767}"/>
+              </a:ext>
+            </a:extLst>
+          </p:cNvPr>
+          <p:cNvSpPr/>
+          <p:nvPr/>
+        </p:nvSpPr>
+        <p:spPr>
+          <a:xfrm>
+            <a:off x="2507140" y="2681633"/>
+            <a:ext cx="2345429" cy="2263307"/>
+          </a:xfrm>
+          <a:prstGeom prst="roundRect">
+            <a:avLst/>
+          </a:prstGeom>
+          <a:solidFill>
+            <a:srgbClr val="4ECDC4"/>
+          </a:solidFill>
+          <a:ln>
+            <a:noFill/>
+          </a:ln>
+        </p:spPr>
+        <p:style>
+          <a:lnRef idx="2">
+            <a:schemeClr val="accent1">
+              <a:shade val="50000"/>
+            </a:schemeClr>
+          </a:lnRef>
+          <a:fillRef idx="1">
+            <a:schemeClr val="accent1"/>
+          </a:fillRef>
+          <a:effectRef idx="0">
+            <a:schemeClr val="accent1"/>
+          </a:effectRef>
+          <a:fontRef idx="minor">
+            <a:schemeClr val="lt1"/>
+          </a:fontRef>
+        </p:style>
+        <p:txBody>
+          <a:bodyPr rtlCol="0" anchor="ctr"/>
+          <a:lstStyle/>
+          <a:p>
+            <a:pPr marL="228600" lvl="0" indent="-228600" defTabSz="914400" rtl="0" eaLnBrk="1" latinLnBrk="0" hangingPunct="1">
+              <a:lnSpc>
+                <a:spcPct val="90000"/>
+              </a:lnSpc>
+              <a:spcBef>
+                <a:spcPct val="0"/>
+              </a:spcBef>
+              <a:spcAft>
+                <a:spcPct val="15000"/>
+              </a:spcAft>
+              <a:buChar char="•"/>
+            </a:pPr>
+            <a:r>
+              <a:rPr lang="es-MX" dirty="0">
+                <a:solidFill>
+                  <a:srgbClr val="C7F464"/>
+                </a:solidFill>
+              </a:rPr>
+              <a:t>Estándares de desempeño</a:t>
+            </a:r>
+          </a:p>
+          <a:p>
+            <a:pPr marL="228600" lvl="0" indent="-228600" defTabSz="914400" rtl="0" eaLnBrk="1" latinLnBrk="0" hangingPunct="1">
+              <a:lnSpc>
+                <a:spcPct val="90000"/>
+              </a:lnSpc>
+              <a:spcBef>
+                <a:spcPct val="0"/>
+              </a:spcBef>
+              <a:spcAft>
+                <a:spcPct val="15000"/>
+              </a:spcAft>
+              <a:buChar char="•"/>
+            </a:pPr>
+            <a:r>
+              <a:rPr lang="es-MX" kern="1200" dirty="0">
+                <a:solidFill>
+                  <a:srgbClr val="C7F464"/>
+                </a:solidFill>
+                <a:latin typeface="+mn-lt"/>
+                <a:ea typeface="+mn-ea"/>
+                <a:cs typeface="+mn-cs"/>
+              </a:rPr>
+              <a:t>Cumplimiento de la ley</a:t>
+            </a:r>
+          </a:p>
+          <a:p>
+            <a:pPr marL="228600" lvl="0" indent="-228600" defTabSz="914400" rtl="0" eaLnBrk="1" latinLnBrk="0" hangingPunct="1">
+              <a:lnSpc>
+                <a:spcPct val="90000"/>
+              </a:lnSpc>
+              <a:spcBef>
+                <a:spcPct val="0"/>
+              </a:spcBef>
+              <a:spcAft>
+                <a:spcPct val="15000"/>
+              </a:spcAft>
+              <a:buChar char="•"/>
+            </a:pPr>
+            <a:r>
+              <a:rPr lang="es-MX" dirty="0">
+                <a:solidFill>
+                  <a:srgbClr val="C7F464"/>
+                </a:solidFill>
+              </a:rPr>
+              <a:t>Evaluador</a:t>
+            </a:r>
+          </a:p>
+          <a:p>
+            <a:pPr marL="228600" lvl="0" indent="-228600" defTabSz="914400" rtl="0" eaLnBrk="1" latinLnBrk="0" hangingPunct="1">
+              <a:lnSpc>
+                <a:spcPct val="90000"/>
+              </a:lnSpc>
+              <a:spcBef>
+                <a:spcPct val="0"/>
+              </a:spcBef>
+              <a:spcAft>
+                <a:spcPct val="15000"/>
+              </a:spcAft>
+              <a:buChar char="•"/>
+            </a:pPr>
+            <a:r>
+              <a:rPr lang="es-MX" kern="1200" dirty="0">
+                <a:solidFill>
+                  <a:srgbClr val="C7F464"/>
+                </a:solidFill>
+                <a:latin typeface="+mn-lt"/>
+                <a:ea typeface="+mn-ea"/>
+                <a:cs typeface="+mn-cs"/>
+              </a:rPr>
+              <a:t>Evaluaci</a:t>
+            </a:r>
+            <a:r>
+              <a:rPr lang="es-MX" dirty="0">
+                <a:solidFill>
+                  <a:srgbClr val="C7F464"/>
+                </a:solidFill>
+              </a:rPr>
+              <a:t>ón 360</a:t>
+            </a:r>
+          </a:p>
+          <a:p>
+            <a:pPr marL="228600" lvl="0" indent="-228600" defTabSz="914400" rtl="0" eaLnBrk="1" latinLnBrk="0" hangingPunct="1">
+              <a:lnSpc>
+                <a:spcPct val="90000"/>
+              </a:lnSpc>
+              <a:spcBef>
+                <a:spcPct val="0"/>
+              </a:spcBef>
+              <a:spcAft>
+                <a:spcPct val="15000"/>
+              </a:spcAft>
+              <a:buChar char="•"/>
+            </a:pPr>
+            <a:r>
+              <a:rPr lang="es-MX" kern="1200" dirty="0">
+                <a:solidFill>
+                  <a:srgbClr val="C7F464"/>
+                </a:solidFill>
+                <a:latin typeface="+mn-lt"/>
+                <a:ea typeface="+mn-ea"/>
+                <a:cs typeface="+mn-cs"/>
+              </a:rPr>
+              <a:t>Capacitación de los evaluadores</a:t>
+            </a:r>
+          </a:p>
+        </p:txBody>
+      </p:sp>
+      <p:sp>
+        <p:nvSpPr>
+          <p:cNvPr id="17" name="Rectángulo: esquinas redondeadas 16">
+            <a:extLst>
+              <a:ext uri="{FF2B5EF4-FFF2-40B4-BE49-F238E27FC236}">
+                <a16:creationId xmlns:a16="http://schemas.microsoft.com/office/drawing/2014/main" id="{52A9256D-F8E1-488A-AB21-F0387ED22384}"/>
+              </a:ext>
+            </a:extLst>
+          </p:cNvPr>
+          <p:cNvSpPr/>
+          <p:nvPr/>
+        </p:nvSpPr>
+        <p:spPr>
+          <a:xfrm>
+            <a:off x="2506741" y="1488558"/>
+            <a:ext cx="2345961" cy="1142267"/>
+          </a:xfrm>
+          <a:prstGeom prst="roundRect">
+            <a:avLst/>
+          </a:prstGeom>
+          <a:solidFill>
+            <a:schemeClr val="accent6">
+              <a:lumMod val="60000"/>
+              <a:lumOff val="40000"/>
+            </a:schemeClr>
+          </a:solidFill>
+          <a:ln>
+            <a:noFill/>
+          </a:ln>
+        </p:spPr>
+        <p:style>
+          <a:lnRef idx="2">
+            <a:schemeClr val="accent1">
+              <a:shade val="50000"/>
+            </a:schemeClr>
+          </a:lnRef>
+          <a:fillRef idx="1">
+            <a:schemeClr val="accent1"/>
+          </a:fillRef>
+          <a:effectRef idx="0">
+            <a:schemeClr val="accent1"/>
+          </a:effectRef>
+          <a:fontRef idx="minor">
+            <a:schemeClr val="lt1"/>
+          </a:fontRef>
+        </p:style>
+        <p:txBody>
+          <a:bodyPr rtlCol="0" anchor="ctr"/>
+          <a:lstStyle/>
+          <a:p>
+            <a:pPr algn="ctr"/>
+            <a:r>
+              <a:rPr lang="es-CL" sz="2400" dirty="0">
+                <a:solidFill>
+                  <a:srgbClr val="C7F464"/>
+                </a:solidFill>
+              </a:rPr>
+              <a:t>Desarrollo de un programa efectivo</a:t>
+            </a:r>
+          </a:p>
+        </p:txBody>
+      </p:sp>
+      <p:sp>
+        <p:nvSpPr>
+          <p:cNvPr id="6" name="Rectángulo: esquinas redondeadas 5">
+            <a:extLst>
+              <a:ext uri="{FF2B5EF4-FFF2-40B4-BE49-F238E27FC236}">
+                <a16:creationId xmlns:a16="http://schemas.microsoft.com/office/drawing/2014/main" id="{547CE2DD-C0A1-48E2-ABDF-4C047098ED8C}"/>
+              </a:ext>
+            </a:extLst>
+          </p:cNvPr>
+          <p:cNvSpPr/>
+          <p:nvPr/>
+        </p:nvSpPr>
+        <p:spPr>
+          <a:xfrm>
+            <a:off x="4970132" y="2681633"/>
+            <a:ext cx="2345429" cy="2263307"/>
+          </a:xfrm>
+          <a:prstGeom prst="roundRect">
+            <a:avLst/>
+          </a:prstGeom>
+          <a:solidFill>
+            <a:srgbClr val="4ECDC4"/>
+          </a:solidFill>
+          <a:ln>
+            <a:noFill/>
+          </a:ln>
+        </p:spPr>
+        <p:style>
+          <a:lnRef idx="2">
+            <a:schemeClr val="accent1">
+              <a:shade val="50000"/>
+            </a:schemeClr>
+          </a:lnRef>
+          <a:fillRef idx="1">
+            <a:schemeClr val="accent1"/>
+          </a:fillRef>
+          <a:effectRef idx="0">
+            <a:schemeClr val="accent1"/>
+          </a:effectRef>
+          <a:fontRef idx="minor">
+            <a:schemeClr val="lt1"/>
+          </a:fontRef>
+        </p:style>
+        <p:txBody>
+          <a:bodyPr rtlCol="0" anchor="ctr"/>
+          <a:lstStyle/>
+          <a:p>
+            <a:pPr marL="228600" lvl="0" indent="-228600" defTabSz="914400" rtl="0" eaLnBrk="1" latinLnBrk="0" hangingPunct="1">
+              <a:lnSpc>
+                <a:spcPct val="90000"/>
+              </a:lnSpc>
+              <a:spcBef>
+                <a:spcPct val="0"/>
+              </a:spcBef>
+              <a:spcAft>
+                <a:spcPct val="15000"/>
+              </a:spcAft>
+              <a:buChar char="•"/>
+            </a:pPr>
+            <a:r>
+              <a:rPr lang="es-MX" dirty="0">
+                <a:solidFill>
+                  <a:srgbClr val="C7F464"/>
+                </a:solidFill>
+              </a:rPr>
+              <a:t>De rasgos</a:t>
+            </a:r>
+          </a:p>
+          <a:p>
+            <a:pPr marL="228600" lvl="0" indent="-228600" defTabSz="914400" rtl="0" eaLnBrk="1" latinLnBrk="0" hangingPunct="1">
+              <a:lnSpc>
+                <a:spcPct val="90000"/>
+              </a:lnSpc>
+              <a:spcBef>
+                <a:spcPct val="0"/>
+              </a:spcBef>
+              <a:spcAft>
+                <a:spcPct val="15000"/>
+              </a:spcAft>
+              <a:buChar char="•"/>
+            </a:pPr>
+            <a:r>
+              <a:rPr lang="es-MX" dirty="0">
+                <a:solidFill>
+                  <a:srgbClr val="C7F464"/>
+                </a:solidFill>
+              </a:rPr>
+              <a:t>Conductuales</a:t>
+            </a:r>
+          </a:p>
+          <a:p>
+            <a:pPr marL="228600" lvl="0" indent="-228600" defTabSz="914400" rtl="0" eaLnBrk="1" latinLnBrk="0" hangingPunct="1">
+              <a:lnSpc>
+                <a:spcPct val="90000"/>
+              </a:lnSpc>
+              <a:spcBef>
+                <a:spcPct val="0"/>
+              </a:spcBef>
+              <a:spcAft>
+                <a:spcPct val="15000"/>
+              </a:spcAft>
+              <a:buChar char="•"/>
+            </a:pPr>
+            <a:r>
+              <a:rPr lang="es-MX" dirty="0">
+                <a:solidFill>
+                  <a:srgbClr val="C7F464"/>
+                </a:solidFill>
+              </a:rPr>
+              <a:t>De resultados</a:t>
+            </a:r>
+          </a:p>
+        </p:txBody>
+      </p:sp>
+      <p:sp>
+        <p:nvSpPr>
+          <p:cNvPr id="7" name="Rectángulo: esquinas redondeadas 6">
+            <a:extLst>
+              <a:ext uri="{FF2B5EF4-FFF2-40B4-BE49-F238E27FC236}">
+                <a16:creationId xmlns:a16="http://schemas.microsoft.com/office/drawing/2014/main" id="{F461F02D-28F0-4492-89BA-41721DCD8D4A}"/>
+              </a:ext>
+            </a:extLst>
+          </p:cNvPr>
+          <p:cNvSpPr/>
+          <p:nvPr/>
+        </p:nvSpPr>
+        <p:spPr>
+          <a:xfrm>
+            <a:off x="4969865" y="1488558"/>
+            <a:ext cx="2345961" cy="1142267"/>
+          </a:xfrm>
+          <a:prstGeom prst="roundRect">
+            <a:avLst/>
+          </a:prstGeom>
+          <a:solidFill>
+            <a:schemeClr val="accent6">
+              <a:lumMod val="60000"/>
+              <a:lumOff val="40000"/>
+            </a:schemeClr>
+          </a:solidFill>
+          <a:ln>
+            <a:noFill/>
+          </a:ln>
+        </p:spPr>
+        <p:style>
+          <a:lnRef idx="2">
+            <a:schemeClr val="accent1">
+              <a:shade val="50000"/>
+            </a:schemeClr>
+          </a:lnRef>
+          <a:fillRef idx="1">
+            <a:schemeClr val="accent1"/>
+          </a:fillRef>
+          <a:effectRef idx="0">
+            <a:schemeClr val="accent1"/>
+          </a:effectRef>
+          <a:fontRef idx="minor">
+            <a:schemeClr val="lt1"/>
+          </a:fontRef>
+        </p:style>
+        <p:txBody>
+          <a:bodyPr rtlCol="0" anchor="ctr"/>
+          <a:lstStyle/>
+          <a:p>
+            <a:pPr algn="ctr"/>
+            <a:r>
+              <a:rPr lang="es-CL" sz="2400" dirty="0">
+                <a:solidFill>
+                  <a:srgbClr val="C7F464"/>
+                </a:solidFill>
+              </a:rPr>
+              <a:t>Métodos de evaluación</a:t>
+            </a:r>
+          </a:p>
+        </p:txBody>
+      </p:sp>
+      <p:sp>
+        <p:nvSpPr>
+          <p:cNvPr id="8" name="Rectángulo: esquinas redondeadas 7">
+            <a:extLst>
+              <a:ext uri="{FF2B5EF4-FFF2-40B4-BE49-F238E27FC236}">
+                <a16:creationId xmlns:a16="http://schemas.microsoft.com/office/drawing/2014/main" id="{A4767D70-F872-4AD5-A7E5-114F9A21AAC8}"/>
+              </a:ext>
+            </a:extLst>
+          </p:cNvPr>
+          <p:cNvSpPr/>
+          <p:nvPr/>
+        </p:nvSpPr>
+        <p:spPr>
+          <a:xfrm>
+            <a:off x="7433125" y="2681633"/>
+            <a:ext cx="2345429" cy="2263307"/>
+          </a:xfrm>
+          <a:prstGeom prst="roundRect">
+            <a:avLst/>
+          </a:prstGeom>
+          <a:solidFill>
+            <a:srgbClr val="4ECDC4"/>
+          </a:solidFill>
+          <a:ln>
+            <a:noFill/>
+          </a:ln>
+        </p:spPr>
+        <p:style>
+          <a:lnRef idx="2">
+            <a:schemeClr val="accent1">
+              <a:shade val="50000"/>
+            </a:schemeClr>
+          </a:lnRef>
+          <a:fillRef idx="1">
+            <a:schemeClr val="accent1"/>
+          </a:fillRef>
+          <a:effectRef idx="0">
+            <a:schemeClr val="accent1"/>
+          </a:effectRef>
+          <a:fontRef idx="minor">
+            <a:schemeClr val="lt1"/>
+          </a:fontRef>
+        </p:style>
+        <p:txBody>
+          <a:bodyPr rtlCol="0" anchor="ctr"/>
+          <a:lstStyle/>
+          <a:p>
+            <a:pPr marL="228600" lvl="0" indent="-228600" defTabSz="914400" rtl="0" eaLnBrk="1" latinLnBrk="0" hangingPunct="1">
+              <a:lnSpc>
+                <a:spcPct val="90000"/>
+              </a:lnSpc>
+              <a:spcBef>
+                <a:spcPct val="0"/>
+              </a:spcBef>
+              <a:spcAft>
+                <a:spcPct val="15000"/>
+              </a:spcAft>
+              <a:buChar char="•"/>
+            </a:pPr>
+            <a:r>
+              <a:rPr lang="es-MX" dirty="0">
+                <a:solidFill>
+                  <a:srgbClr val="C7F464"/>
+                </a:solidFill>
+              </a:rPr>
+              <a:t>Tipos de entrevistas</a:t>
+            </a:r>
+          </a:p>
+          <a:p>
+            <a:pPr marL="228600" lvl="0" indent="-228600" defTabSz="914400" rtl="0" eaLnBrk="1" latinLnBrk="0" hangingPunct="1">
+              <a:lnSpc>
+                <a:spcPct val="90000"/>
+              </a:lnSpc>
+              <a:spcBef>
+                <a:spcPct val="0"/>
+              </a:spcBef>
+              <a:spcAft>
+                <a:spcPct val="15000"/>
+              </a:spcAft>
+              <a:buChar char="•"/>
+            </a:pPr>
+            <a:r>
+              <a:rPr lang="es-MX" dirty="0">
+                <a:solidFill>
+                  <a:srgbClr val="C7F464"/>
+                </a:solidFill>
+              </a:rPr>
+              <a:t>Realización</a:t>
+            </a:r>
+          </a:p>
+          <a:p>
+            <a:pPr marL="228600" lvl="0" indent="-228600" defTabSz="914400" rtl="0" eaLnBrk="1" latinLnBrk="0" hangingPunct="1">
+              <a:lnSpc>
+                <a:spcPct val="90000"/>
+              </a:lnSpc>
+              <a:spcBef>
+                <a:spcPct val="0"/>
+              </a:spcBef>
+              <a:spcAft>
+                <a:spcPct val="15000"/>
+              </a:spcAft>
+              <a:buChar char="•"/>
+            </a:pPr>
+            <a:r>
+              <a:rPr lang="es-MX" dirty="0">
+                <a:solidFill>
+                  <a:srgbClr val="C7F464"/>
+                </a:solidFill>
+              </a:rPr>
+              <a:t>Mejorar el desempeño</a:t>
+            </a:r>
+          </a:p>
+        </p:txBody>
+      </p:sp>
+      <p:sp>
+        <p:nvSpPr>
+          <p:cNvPr id="9" name="Rectángulo: esquinas redondeadas 8">
+            <a:extLst>
+              <a:ext uri="{FF2B5EF4-FFF2-40B4-BE49-F238E27FC236}">
+                <a16:creationId xmlns:a16="http://schemas.microsoft.com/office/drawing/2014/main" id="{60F1681A-6DF5-45F6-98FD-16FD236ED083}"/>
+              </a:ext>
+            </a:extLst>
+          </p:cNvPr>
+          <p:cNvSpPr/>
+          <p:nvPr/>
+        </p:nvSpPr>
+        <p:spPr>
+          <a:xfrm>
+            <a:off x="7432990" y="1488558"/>
+            <a:ext cx="2345961" cy="1142267"/>
+          </a:xfrm>
+          <a:prstGeom prst="roundRect">
+            <a:avLst/>
+          </a:prstGeom>
+          <a:solidFill>
+            <a:schemeClr val="accent6">
+              <a:lumMod val="60000"/>
+              <a:lumOff val="40000"/>
+            </a:schemeClr>
+          </a:solidFill>
+          <a:ln>
+            <a:noFill/>
+          </a:ln>
+        </p:spPr>
+        <p:style>
+          <a:lnRef idx="2">
+            <a:schemeClr val="accent1">
+              <a:shade val="50000"/>
+            </a:schemeClr>
+          </a:lnRef>
+          <a:fillRef idx="1">
+            <a:schemeClr val="accent1"/>
+          </a:fillRef>
+          <a:effectRef idx="0">
+            <a:schemeClr val="accent1"/>
+          </a:effectRef>
+          <a:fontRef idx="minor">
+            <a:schemeClr val="lt1"/>
+          </a:fontRef>
+        </p:style>
+        <p:txBody>
+          <a:bodyPr rtlCol="0" anchor="ctr"/>
+          <a:lstStyle/>
+          <a:p>
+            <a:pPr algn="ctr"/>
+            <a:r>
+              <a:rPr lang="es-CL" sz="2400" dirty="0">
+                <a:solidFill>
+                  <a:srgbClr val="C7F464"/>
+                </a:solidFill>
+              </a:rPr>
+              <a:t>Entrevistas de Evaluación</a:t>
+            </a:r>
+          </a:p>
+        </p:txBody>
+      </p:sp>
+    </p:spTree>
+    <p:extLst>
+      <p:ext uri="{BB962C8B-B14F-4D97-AF65-F5344CB8AC3E}">
+        <p14:creationId xmlns:p14="http://schemas.microsoft.com/office/powerpoint/2010/main" val="3527430153"/>
+      </p:ext>
+    </p:extLst>
+  </p:cSld>
+  <p:clrMapOvr>
+    <a:masterClrMapping/>
+  </p:clrMapOvr>
+</p:sld>
+</file>
+
 <file path=ppt/theme/theme1.xml><?xml version="1.0" encoding="utf-8"?>
 <a:theme xmlns:a="http://schemas.openxmlformats.org/drawingml/2006/main" name="Tema de Office">
   <a:themeElements>

--- a/media/Resumen.pptx
+++ b/media/Resumen.pptx
@@ -269,7 +269,7 @@
           <a:p>
             <a:fld id="{B24185D3-528A-406D-87C2-1A608670BDF1}" type="datetimeFigureOut">
               <a:rPr lang="es-CL" smtClean="0"/>
-              <a:t>01-01-2021</a:t>
+              <a:t>05-01-2021</a:t>
             </a:fld>
             <a:endParaRPr lang="es-CL"/>
           </a:p>
@@ -469,7 +469,7 @@
           <a:p>
             <a:fld id="{B24185D3-528A-406D-87C2-1A608670BDF1}" type="datetimeFigureOut">
               <a:rPr lang="es-CL" smtClean="0"/>
-              <a:t>01-01-2021</a:t>
+              <a:t>05-01-2021</a:t>
             </a:fld>
             <a:endParaRPr lang="es-CL"/>
           </a:p>
@@ -679,7 +679,7 @@
           <a:p>
             <a:fld id="{B24185D3-528A-406D-87C2-1A608670BDF1}" type="datetimeFigureOut">
               <a:rPr lang="es-CL" smtClean="0"/>
-              <a:t>01-01-2021</a:t>
+              <a:t>05-01-2021</a:t>
             </a:fld>
             <a:endParaRPr lang="es-CL"/>
           </a:p>
@@ -879,7 +879,7 @@
           <a:p>
             <a:fld id="{B24185D3-528A-406D-87C2-1A608670BDF1}" type="datetimeFigureOut">
               <a:rPr lang="es-CL" smtClean="0"/>
-              <a:t>01-01-2021</a:t>
+              <a:t>05-01-2021</a:t>
             </a:fld>
             <a:endParaRPr lang="es-CL"/>
           </a:p>
@@ -1155,7 +1155,7 @@
           <a:p>
             <a:fld id="{B24185D3-528A-406D-87C2-1A608670BDF1}" type="datetimeFigureOut">
               <a:rPr lang="es-CL" smtClean="0"/>
-              <a:t>01-01-2021</a:t>
+              <a:t>05-01-2021</a:t>
             </a:fld>
             <a:endParaRPr lang="es-CL"/>
           </a:p>
@@ -1423,7 +1423,7 @@
           <a:p>
             <a:fld id="{B24185D3-528A-406D-87C2-1A608670BDF1}" type="datetimeFigureOut">
               <a:rPr lang="es-CL" smtClean="0"/>
-              <a:t>01-01-2021</a:t>
+              <a:t>05-01-2021</a:t>
             </a:fld>
             <a:endParaRPr lang="es-CL"/>
           </a:p>
@@ -1838,7 +1838,7 @@
           <a:p>
             <a:fld id="{B24185D3-528A-406D-87C2-1A608670BDF1}" type="datetimeFigureOut">
               <a:rPr lang="es-CL" smtClean="0"/>
-              <a:t>01-01-2021</a:t>
+              <a:t>05-01-2021</a:t>
             </a:fld>
             <a:endParaRPr lang="es-CL"/>
           </a:p>
@@ -1980,7 +1980,7 @@
           <a:p>
             <a:fld id="{B24185D3-528A-406D-87C2-1A608670BDF1}" type="datetimeFigureOut">
               <a:rPr lang="es-CL" smtClean="0"/>
-              <a:t>01-01-2021</a:t>
+              <a:t>05-01-2021</a:t>
             </a:fld>
             <a:endParaRPr lang="es-CL"/>
           </a:p>
@@ -2093,7 +2093,7 @@
           <a:p>
             <a:fld id="{B24185D3-528A-406D-87C2-1A608670BDF1}" type="datetimeFigureOut">
               <a:rPr lang="es-CL" smtClean="0"/>
-              <a:t>01-01-2021</a:t>
+              <a:t>05-01-2021</a:t>
             </a:fld>
             <a:endParaRPr lang="es-CL"/>
           </a:p>
@@ -2406,7 +2406,7 @@
           <a:p>
             <a:fld id="{B24185D3-528A-406D-87C2-1A608670BDF1}" type="datetimeFigureOut">
               <a:rPr lang="es-CL" smtClean="0"/>
-              <a:t>01-01-2021</a:t>
+              <a:t>05-01-2021</a:t>
             </a:fld>
             <a:endParaRPr lang="es-CL"/>
           </a:p>
@@ -2695,7 +2695,7 @@
           <a:p>
             <a:fld id="{B24185D3-528A-406D-87C2-1A608670BDF1}" type="datetimeFigureOut">
               <a:rPr lang="es-CL" smtClean="0"/>
-              <a:t>01-01-2021</a:t>
+              <a:t>05-01-2021</a:t>
             </a:fld>
             <a:endParaRPr lang="es-CL"/>
           </a:p>
@@ -2943,7 +2943,7 @@
           <a:p>
             <a:fld id="{B24185D3-528A-406D-87C2-1A608670BDF1}" type="datetimeFigureOut">
               <a:rPr lang="es-CL" smtClean="0"/>
-              <a:t>01-01-2021</a:t>
+              <a:t>05-01-2021</a:t>
             </a:fld>
             <a:endParaRPr lang="es-CL"/>
           </a:p>
@@ -5718,6 +5718,62 @@
           </a:p>
         </p:txBody>
       </p:sp>
+      <p:sp>
+        <p:nvSpPr>
+          <p:cNvPr id="18" name="Flecha: hacia arriba 17">
+            <a:extLst>
+              <a:ext uri="{FF2B5EF4-FFF2-40B4-BE49-F238E27FC236}">
+                <a16:creationId xmlns:a16="http://schemas.microsoft.com/office/drawing/2014/main" id="{946041B3-AE37-4672-A99A-1392D48C78D1}"/>
+              </a:ext>
+            </a:extLst>
+          </p:cNvPr>
+          <p:cNvSpPr/>
+          <p:nvPr/>
+        </p:nvSpPr>
+        <p:spPr>
+          <a:xfrm>
+            <a:off x="4409823" y="5428623"/>
+            <a:ext cx="435228" cy="457827"/>
+          </a:xfrm>
+          <a:prstGeom prst="upArrow">
+            <a:avLst/>
+          </a:prstGeom>
+          <a:solidFill>
+            <a:srgbClr val="FF6B64"/>
+          </a:solidFill>
+          <a:ln>
+            <a:noFill/>
+          </a:ln>
+        </p:spPr>
+        <p:style>
+          <a:lnRef idx="2">
+            <a:schemeClr val="accent1">
+              <a:shade val="50000"/>
+            </a:schemeClr>
+          </a:lnRef>
+          <a:fillRef idx="1">
+            <a:schemeClr val="accent1"/>
+          </a:fillRef>
+          <a:effectRef idx="0">
+            <a:schemeClr val="accent1"/>
+          </a:effectRef>
+          <a:fontRef idx="minor">
+            <a:schemeClr val="lt1"/>
+          </a:fontRef>
+        </p:style>
+        <p:txBody>
+          <a:bodyPr rtlCol="0" anchor="ctr"/>
+          <a:lstStyle/>
+          <a:p>
+            <a:pPr algn="ctr"/>
+            <a:endParaRPr lang="es-CL" sz="1200" b="1" dirty="0">
+              <a:solidFill>
+                <a:srgbClr val="C7F464"/>
+              </a:solidFill>
+            </a:endParaRPr>
+          </a:p>
+        </p:txBody>
+      </p:sp>
     </p:spTree>
     <p:extLst>
       <p:ext uri="{BB962C8B-B14F-4D97-AF65-F5344CB8AC3E}">
